--- a/lecture-materials/Storage/FSx/fsx.pptx
+++ b/lecture-materials/Storage/FSx/fsx.pptx
@@ -5,7 +5,7 @@
     <p:sldMasterId id="2147483648" r:id="rId1"/>
   </p:sldMasterIdLst>
   <p:notesMasterIdLst>
-    <p:notesMasterId r:id="rId22"/>
+    <p:notesMasterId r:id="rId25"/>
   </p:notesMasterIdLst>
   <p:sldIdLst>
     <p:sldId id="256" r:id="rId2"/>
@@ -25,9 +25,12 @@
     <p:sldId id="271" r:id="rId16"/>
     <p:sldId id="273" r:id="rId17"/>
     <p:sldId id="272" r:id="rId18"/>
-    <p:sldId id="275" r:id="rId19"/>
-    <p:sldId id="274" r:id="rId20"/>
-    <p:sldId id="260" r:id="rId21"/>
+    <p:sldId id="277" r:id="rId19"/>
+    <p:sldId id="275" r:id="rId20"/>
+    <p:sldId id="278" r:id="rId21"/>
+    <p:sldId id="274" r:id="rId22"/>
+    <p:sldId id="282" r:id="rId23"/>
+    <p:sldId id="260" r:id="rId24"/>
   </p:sldIdLst>
   <p:sldSz cx="12192000" cy="6858000"/>
   <p:notesSz cx="6858000" cy="9144000"/>
@@ -6614,7 +6617,7 @@
           <a:p>
             <a:fld id="{20E31D0F-3600-8B42-9A77-E87725E13DA0}" type="datetimeFigureOut">
               <a:rPr lang="en-CH" smtClean="0"/>
-              <a:t>04.09.23</a:t>
+              <a:t>08.09.23</a:t>
             </a:fld>
             <a:endParaRPr lang="en-CH"/>
           </a:p>
@@ -7115,7 +7118,7 @@
           <a:p>
             <a:fld id="{322C9020-58D6-4B4B-AE71-CBBD8D6FD410}" type="datetimeFigureOut">
               <a:rPr lang="en-CH" smtClean="0"/>
-              <a:t>04.09.23</a:t>
+              <a:t>08.09.23</a:t>
             </a:fld>
             <a:endParaRPr lang="en-CH"/>
           </a:p>
@@ -7315,7 +7318,7 @@
           <a:p>
             <a:fld id="{322C9020-58D6-4B4B-AE71-CBBD8D6FD410}" type="datetimeFigureOut">
               <a:rPr lang="en-CH" smtClean="0"/>
-              <a:t>04.09.23</a:t>
+              <a:t>08.09.23</a:t>
             </a:fld>
             <a:endParaRPr lang="en-CH"/>
           </a:p>
@@ -7525,7 +7528,7 @@
           <a:p>
             <a:fld id="{322C9020-58D6-4B4B-AE71-CBBD8D6FD410}" type="datetimeFigureOut">
               <a:rPr lang="en-CH" smtClean="0"/>
-              <a:t>04.09.23</a:t>
+              <a:t>08.09.23</a:t>
             </a:fld>
             <a:endParaRPr lang="en-CH"/>
           </a:p>
@@ -7725,7 +7728,7 @@
           <a:p>
             <a:fld id="{322C9020-58D6-4B4B-AE71-CBBD8D6FD410}" type="datetimeFigureOut">
               <a:rPr lang="en-CH" smtClean="0"/>
-              <a:t>04.09.23</a:t>
+              <a:t>08.09.23</a:t>
             </a:fld>
             <a:endParaRPr lang="en-CH"/>
           </a:p>
@@ -8001,7 +8004,7 @@
           <a:p>
             <a:fld id="{322C9020-58D6-4B4B-AE71-CBBD8D6FD410}" type="datetimeFigureOut">
               <a:rPr lang="en-CH" smtClean="0"/>
-              <a:t>04.09.23</a:t>
+              <a:t>08.09.23</a:t>
             </a:fld>
             <a:endParaRPr lang="en-CH"/>
           </a:p>
@@ -8269,7 +8272,7 @@
           <a:p>
             <a:fld id="{322C9020-58D6-4B4B-AE71-CBBD8D6FD410}" type="datetimeFigureOut">
               <a:rPr lang="en-CH" smtClean="0"/>
-              <a:t>04.09.23</a:t>
+              <a:t>08.09.23</a:t>
             </a:fld>
             <a:endParaRPr lang="en-CH"/>
           </a:p>
@@ -8684,7 +8687,7 @@
           <a:p>
             <a:fld id="{322C9020-58D6-4B4B-AE71-CBBD8D6FD410}" type="datetimeFigureOut">
               <a:rPr lang="en-CH" smtClean="0"/>
-              <a:t>04.09.23</a:t>
+              <a:t>08.09.23</a:t>
             </a:fld>
             <a:endParaRPr lang="en-CH"/>
           </a:p>
@@ -8826,7 +8829,7 @@
           <a:p>
             <a:fld id="{322C9020-58D6-4B4B-AE71-CBBD8D6FD410}" type="datetimeFigureOut">
               <a:rPr lang="en-CH" smtClean="0"/>
-              <a:t>04.09.23</a:t>
+              <a:t>08.09.23</a:t>
             </a:fld>
             <a:endParaRPr lang="en-CH"/>
           </a:p>
@@ -8939,7 +8942,7 @@
           <a:p>
             <a:fld id="{322C9020-58D6-4B4B-AE71-CBBD8D6FD410}" type="datetimeFigureOut">
               <a:rPr lang="en-CH" smtClean="0"/>
-              <a:t>04.09.23</a:t>
+              <a:t>08.09.23</a:t>
             </a:fld>
             <a:endParaRPr lang="en-CH"/>
           </a:p>
@@ -9252,7 +9255,7 @@
           <a:p>
             <a:fld id="{322C9020-58D6-4B4B-AE71-CBBD8D6FD410}" type="datetimeFigureOut">
               <a:rPr lang="en-CH" smtClean="0"/>
-              <a:t>04.09.23</a:t>
+              <a:t>08.09.23</a:t>
             </a:fld>
             <a:endParaRPr lang="en-CH"/>
           </a:p>
@@ -9541,7 +9544,7 @@
           <a:p>
             <a:fld id="{322C9020-58D6-4B4B-AE71-CBBD8D6FD410}" type="datetimeFigureOut">
               <a:rPr lang="en-CH" smtClean="0"/>
-              <a:t>04.09.23</a:t>
+              <a:t>08.09.23</a:t>
             </a:fld>
             <a:endParaRPr lang="en-CH"/>
           </a:p>
@@ -9784,7 +9787,7 @@
           <a:p>
             <a:fld id="{322C9020-58D6-4B4B-AE71-CBBD8D6FD410}" type="datetimeFigureOut">
               <a:rPr lang="en-CH" smtClean="0"/>
-              <a:t>04.09.23</a:t>
+              <a:t>08.09.23</a:t>
             </a:fld>
             <a:endParaRPr lang="en-CH"/>
           </a:p>
@@ -12499,17 +12502,24 @@
           <a:p>
             <a:pPr fontAlgn="base"/>
             <a:r>
-              <a:rPr lang="en-GB" sz="2000" b="0" i="0" u="none" strike="noStrike">
+              <a:rPr lang="en-GB" sz="2000" b="0" i="0" u="none" strike="noStrike" dirty="0" err="1">
                 <a:effectLst/>
                 <a:latin typeface="proxima-nova"/>
               </a:rPr>
-              <a:t>Fsx for for Lustre is a fully managed service that makes Lustre easily accessible. </a:t>
+              <a:t>Fsx</a:t>
+            </a:r>
+            <a:r>
+              <a:rPr lang="en-GB" sz="2000" b="0" i="0" u="none" strike="noStrike" dirty="0">
+                <a:effectLst/>
+                <a:latin typeface="proxima-nova"/>
+              </a:rPr>
+              <a:t> for for Lustre is a fully managed service that makes Lustre easily accessible. </a:t>
             </a:r>
           </a:p>
           <a:p>
             <a:pPr fontAlgn="base"/>
             <a:r>
-              <a:rPr lang="en-GB" sz="2000" b="0" i="0" u="none" strike="noStrike">
+              <a:rPr lang="en-GB" sz="2000" b="0" i="0" u="none" strike="noStrike" dirty="0">
                 <a:effectLst/>
                 <a:highlight>
                   <a:srgbClr val="FFFF00"/>
@@ -12522,17 +12532,31 @@
           <a:p>
             <a:pPr fontAlgn="base"/>
             <a:r>
-              <a:rPr lang="en-GB" sz="2000" b="0" i="0" u="none" strike="noStrike">
+              <a:rPr lang="en-GB" sz="2000" b="0" i="0" u="none" strike="noStrike" dirty="0">
                 <a:effectLst/>
                 <a:latin typeface="proxima-nova"/>
               </a:rPr>
-              <a:t>Amazon FSx for Lustre avoids the traditional complexity of managing and setting up high-performance Lustre file systems. </a:t>
+              <a:t>Amazon </a:t>
+            </a:r>
+            <a:r>
+              <a:rPr lang="en-GB" sz="2000" b="0" i="0" u="none" strike="noStrike" dirty="0" err="1">
+                <a:effectLst/>
+                <a:latin typeface="proxima-nova"/>
+              </a:rPr>
+              <a:t>FSx</a:t>
+            </a:r>
+            <a:r>
+              <a:rPr lang="en-GB" sz="2000" b="0" i="0" u="none" strike="noStrike" dirty="0">
+                <a:effectLst/>
+                <a:latin typeface="proxima-nova"/>
+              </a:rPr>
+              <a:t> for Lustre avoids the traditional complexity of managing and setting up high-performance Lustre file systems. </a:t>
             </a:r>
           </a:p>
           <a:p>
             <a:pPr fontAlgn="base"/>
             <a:r>
-              <a:rPr lang="en-GB" sz="2000" b="0" i="0" u="none" strike="noStrike">
+              <a:rPr lang="en-GB" sz="2000" b="0" i="0" u="none" strike="noStrike" dirty="0">
                 <a:effectLst/>
                 <a:latin typeface="proxima-nova"/>
               </a:rPr>
@@ -12542,7 +12566,7 @@
           <a:p>
             <a:pPr fontAlgn="base"/>
             <a:r>
-              <a:rPr lang="en-GB" sz="2000" b="0" i="0" u="none" strike="noStrike">
+              <a:rPr lang="en-GB" sz="2000" b="0" i="0" u="none" strike="noStrike" dirty="0">
                 <a:effectLst/>
                 <a:latin typeface="proxima-nova"/>
               </a:rPr>
@@ -12552,25 +12576,53 @@
           <a:p>
             <a:pPr fontAlgn="base"/>
             <a:r>
-              <a:rPr lang="en-GB" sz="2000" b="0" i="0" u="none" strike="noStrike">
+              <a:rPr lang="en-GB" sz="2000" b="0" i="0" u="none" strike="noStrike" dirty="0">
                 <a:effectLst/>
                 <a:latin typeface="proxima-nova"/>
               </a:rPr>
-              <a:t>Amazon FSx for Lustre integrates with Amazon S3, so you can process cloud data sets with the Lustre high-performance file system. </a:t>
+              <a:t>Amazon </a:t>
+            </a:r>
+            <a:r>
+              <a:rPr lang="en-GB" sz="2000" b="0" i="0" u="none" strike="noStrike" dirty="0" err="1">
+                <a:effectLst/>
+                <a:latin typeface="proxima-nova"/>
+              </a:rPr>
+              <a:t>FSx</a:t>
+            </a:r>
+            <a:r>
+              <a:rPr lang="en-GB" sz="2000" b="0" i="0" u="none" strike="noStrike" dirty="0">
+                <a:effectLst/>
+                <a:latin typeface="proxima-nova"/>
+              </a:rPr>
+              <a:t> for Lustre integrates with Amazon S3, so you can process cloud data sets with the Lustre high-performance file system. </a:t>
             </a:r>
           </a:p>
           <a:p>
             <a:pPr fontAlgn="base"/>
             <a:r>
-              <a:rPr lang="en-GB" sz="2000" b="0" i="0" u="none" strike="noStrike">
+              <a:rPr lang="en-GB" sz="2000" b="0" i="0" u="none" strike="noStrike" dirty="0">
                 <a:effectLst/>
                 <a:latin typeface="proxima-nova"/>
               </a:rPr>
-              <a:t>When connected to an S3 bucket, an FSx for Lustre file system transparently shows S3 objects as files and lets you write data modified by Lustre back to S3.</a:t>
-            </a:r>
-          </a:p>
-          <a:p>
-            <a:endParaRPr lang="en-CH" sz="2000"/>
+              <a:t>When connected to an S3 bucket, an </a:t>
+            </a:r>
+            <a:r>
+              <a:rPr lang="en-GB" sz="2000" b="0" i="0" u="none" strike="noStrike" dirty="0" err="1">
+                <a:effectLst/>
+                <a:latin typeface="proxima-nova"/>
+              </a:rPr>
+              <a:t>FSx</a:t>
+            </a:r>
+            <a:r>
+              <a:rPr lang="en-GB" sz="2000" b="0" i="0" u="none" strike="noStrike" dirty="0">
+                <a:effectLst/>
+                <a:latin typeface="proxima-nova"/>
+              </a:rPr>
+              <a:t> for Lustre file system transparently shows S3 objects as files and lets you write data modified by Lustre back to S3.</a:t>
+            </a:r>
+          </a:p>
+          <a:p>
+            <a:endParaRPr lang="en-CH" sz="2000" dirty="0"/>
           </a:p>
         </p:txBody>
       </p:sp>
@@ -14236,7 +14288,7 @@
           </a:p>
           <a:p>
             <a:r>
-              <a:rPr lang="en-GB" sz="1800" b="0" i="0" dirty="0">
+              <a:rPr lang="en-GB" sz="1800" b="1" i="0" dirty="0">
                 <a:effectLst/>
               </a:rPr>
               <a:t>Data isn't replicated and doesn't persist if a file server fails. </a:t>
@@ -15353,6 +15405,14 @@
 <file path=ppt/slides/slide17.xml><?xml version="1.0" encoding="utf-8"?>
 <p:sld xmlns:a="http://schemas.openxmlformats.org/drawingml/2006/main" xmlns:r="http://schemas.openxmlformats.org/officeDocument/2006/relationships" xmlns:p="http://schemas.openxmlformats.org/presentationml/2006/main">
   <p:cSld>
+    <p:bg>
+      <p:bgPr>
+        <a:solidFill>
+          <a:schemeClr val="bg1"/>
+        </a:solidFill>
+        <a:effectLst/>
+      </p:bgPr>
+    </p:bg>
     <p:spTree>
       <p:nvGrpSpPr>
         <p:cNvPr id="1" name=""/>
@@ -15367,6 +15427,200 @@
           <a:chExt cx="0" cy="0"/>
         </a:xfrm>
       </p:grpSpPr>
+      <p:sp useBgFill="1">
+        <p:nvSpPr>
+          <p:cNvPr id="8" name="Rectangle 7">
+            <a:extLst>
+              <a:ext uri="{FF2B5EF4-FFF2-40B4-BE49-F238E27FC236}">
+                <a16:creationId xmlns:a16="http://schemas.microsoft.com/office/drawing/2014/main" id="{907EF6B7-1338-4443-8C46-6A318D952DFD}"/>
+              </a:ext>
+              <a:ext uri="{C183D7F6-B498-43B3-948B-1728B52AA6E4}">
+                <adec:decorative xmlns:adec="http://schemas.microsoft.com/office/drawing/2017/decorative" val="1"/>
+              </a:ext>
+            </a:extLst>
+          </p:cNvPr>
+          <p:cNvSpPr>
+            <a:spLocks noGrp="1" noRot="1" noChangeAspect="1" noMove="1" noResize="1" noEditPoints="1" noAdjustHandles="1" noChangeArrowheads="1" noChangeShapeType="1" noTextEdit="1"/>
+          </p:cNvSpPr>
+          <p:nvPr>
+            <p:extLst>
+              <p:ext uri="{386F3935-93C4-4BCD-93E2-E3B085C9AB24}">
+                <p16:designElem xmlns:p16="http://schemas.microsoft.com/office/powerpoint/2015/main" val="1"/>
+              </p:ext>
+            </p:extLst>
+          </p:nvPr>
+        </p:nvSpPr>
+        <p:spPr>
+          <a:xfrm>
+            <a:off x="3048" y="0"/>
+            <a:ext cx="12188952" cy="6858000"/>
+          </a:xfrm>
+          <a:prstGeom prst="rect">
+            <a:avLst/>
+          </a:prstGeom>
+          <a:ln>
+            <a:noFill/>
+          </a:ln>
+        </p:spPr>
+        <p:style>
+          <a:lnRef idx="2">
+            <a:schemeClr val="accent1">
+              <a:shade val="50000"/>
+            </a:schemeClr>
+          </a:lnRef>
+          <a:fillRef idx="1">
+            <a:schemeClr val="accent1"/>
+          </a:fillRef>
+          <a:effectRef idx="0">
+            <a:schemeClr val="accent1"/>
+          </a:effectRef>
+          <a:fontRef idx="minor">
+            <a:schemeClr val="lt1"/>
+          </a:fontRef>
+        </p:style>
+        <p:txBody>
+          <a:bodyPr rtlCol="0" anchor="ctr"/>
+          <a:lstStyle/>
+          <a:p>
+            <a:pPr algn="ctr"/>
+            <a:endParaRPr lang="en-US"/>
+          </a:p>
+        </p:txBody>
+      </p:sp>
+      <p:sp>
+        <p:nvSpPr>
+          <p:cNvPr id="10" name="Freeform: Shape 9">
+            <a:extLst>
+              <a:ext uri="{FF2B5EF4-FFF2-40B4-BE49-F238E27FC236}">
+                <a16:creationId xmlns:a16="http://schemas.microsoft.com/office/drawing/2014/main" id="{DAAE4CDD-124C-4DCF-9584-B6033B545DD5}"/>
+              </a:ext>
+              <a:ext uri="{C183D7F6-B498-43B3-948B-1728B52AA6E4}">
+                <adec:decorative xmlns:adec="http://schemas.microsoft.com/office/drawing/2017/decorative" val="1"/>
+              </a:ext>
+            </a:extLst>
+          </p:cNvPr>
+          <p:cNvSpPr>
+            <a:spLocks noGrp="1" noRot="1" noChangeAspect="1" noMove="1" noResize="1" noEditPoints="1" noAdjustHandles="1" noChangeArrowheads="1" noChangeShapeType="1" noTextEdit="1"/>
+          </p:cNvSpPr>
+          <p:nvPr>
+            <p:extLst>
+              <p:ext uri="{386F3935-93C4-4BCD-93E2-E3B085C9AB24}">
+                <p16:designElem xmlns:p16="http://schemas.microsoft.com/office/powerpoint/2015/main" val="1"/>
+              </p:ext>
+            </p:extLst>
+          </p:nvPr>
+        </p:nvSpPr>
+        <p:spPr>
+          <a:xfrm>
+            <a:off x="1" y="0"/>
+            <a:ext cx="4167271" cy="6858000"/>
+          </a:xfrm>
+          <a:custGeom>
+            <a:avLst/>
+            <a:gdLst>
+              <a:gd name="connsiteX0" fmla="*/ 0 w 4167271"/>
+              <a:gd name="connsiteY0" fmla="*/ 0 h 6858000"/>
+              <a:gd name="connsiteX1" fmla="*/ 2259550 w 4167271"/>
+              <a:gd name="connsiteY1" fmla="*/ 0 h 6858000"/>
+              <a:gd name="connsiteX2" fmla="*/ 2387803 w 4167271"/>
+              <a:gd name="connsiteY2" fmla="*/ 82222 h 6858000"/>
+              <a:gd name="connsiteX3" fmla="*/ 4167271 w 4167271"/>
+              <a:gd name="connsiteY3" fmla="*/ 3429000 h 6858000"/>
+              <a:gd name="connsiteX4" fmla="*/ 2387803 w 4167271"/>
+              <a:gd name="connsiteY4" fmla="*/ 6775779 h 6858000"/>
+              <a:gd name="connsiteX5" fmla="*/ 2259550 w 4167271"/>
+              <a:gd name="connsiteY5" fmla="*/ 6858000 h 6858000"/>
+              <a:gd name="connsiteX6" fmla="*/ 0 w 4167271"/>
+              <a:gd name="connsiteY6" fmla="*/ 6858000 h 6858000"/>
+            </a:gdLst>
+            <a:ahLst/>
+            <a:cxnLst>
+              <a:cxn ang="0">
+                <a:pos x="connsiteX0" y="connsiteY0"/>
+              </a:cxn>
+              <a:cxn ang="0">
+                <a:pos x="connsiteX1" y="connsiteY1"/>
+              </a:cxn>
+              <a:cxn ang="0">
+                <a:pos x="connsiteX2" y="connsiteY2"/>
+              </a:cxn>
+              <a:cxn ang="0">
+                <a:pos x="connsiteX3" y="connsiteY3"/>
+              </a:cxn>
+              <a:cxn ang="0">
+                <a:pos x="connsiteX4" y="connsiteY4"/>
+              </a:cxn>
+              <a:cxn ang="0">
+                <a:pos x="connsiteX5" y="connsiteY5"/>
+              </a:cxn>
+              <a:cxn ang="0">
+                <a:pos x="connsiteX6" y="connsiteY6"/>
+              </a:cxn>
+            </a:cxnLst>
+            <a:rect l="l" t="t" r="r" b="b"/>
+            <a:pathLst>
+              <a:path w="4167271" h="6858000">
+                <a:moveTo>
+                  <a:pt x="0" y="0"/>
+                </a:moveTo>
+                <a:lnTo>
+                  <a:pt x="2259550" y="0"/>
+                </a:lnTo>
+                <a:lnTo>
+                  <a:pt x="2387803" y="82222"/>
+                </a:lnTo>
+                <a:cubicBezTo>
+                  <a:pt x="3461407" y="807534"/>
+                  <a:pt x="4167271" y="2035835"/>
+                  <a:pt x="4167271" y="3429000"/>
+                </a:cubicBezTo>
+                <a:cubicBezTo>
+                  <a:pt x="4167271" y="4822165"/>
+                  <a:pt x="3461407" y="6050467"/>
+                  <a:pt x="2387803" y="6775779"/>
+                </a:cubicBezTo>
+                <a:lnTo>
+                  <a:pt x="2259550" y="6858000"/>
+                </a:lnTo>
+                <a:lnTo>
+                  <a:pt x="0" y="6858000"/>
+                </a:lnTo>
+                <a:close/>
+              </a:path>
+            </a:pathLst>
+          </a:custGeom>
+          <a:solidFill>
+            <a:schemeClr val="accent2"/>
+          </a:solidFill>
+          <a:ln>
+            <a:noFill/>
+          </a:ln>
+        </p:spPr>
+        <p:style>
+          <a:lnRef idx="2">
+            <a:schemeClr val="accent1">
+              <a:shade val="50000"/>
+            </a:schemeClr>
+          </a:lnRef>
+          <a:fillRef idx="1">
+            <a:schemeClr val="accent1"/>
+          </a:fillRef>
+          <a:effectRef idx="0">
+            <a:schemeClr val="accent1"/>
+          </a:effectRef>
+          <a:fontRef idx="minor">
+            <a:schemeClr val="lt1"/>
+          </a:fontRef>
+        </p:style>
+        <p:txBody>
+          <a:bodyPr rtlCol="0" anchor="ctr"/>
+          <a:lstStyle/>
+          <a:p>
+            <a:pPr algn="ctr"/>
+            <a:endParaRPr lang="en-US"/>
+          </a:p>
+        </p:txBody>
+      </p:sp>
       <p:sp>
         <p:nvSpPr>
           <p:cNvPr id="2" name="Title 1">
@@ -15383,13 +15637,23 @@
             <p:ph type="title"/>
           </p:nvPr>
         </p:nvSpPr>
-        <p:spPr/>
+        <p:spPr>
+          <a:xfrm>
+            <a:off x="686834" y="1153572"/>
+            <a:ext cx="3200400" cy="4461163"/>
+          </a:xfrm>
+        </p:spPr>
         <p:txBody>
-          <a:bodyPr/>
+          <a:bodyPr>
+            <a:normAutofit/>
+          </a:bodyPr>
           <a:lstStyle/>
           <a:p>
             <a:r>
               <a:rPr lang="en-GB" b="0" i="0" dirty="0">
+                <a:solidFill>
+                  <a:srgbClr val="FFFFFF"/>
+                </a:solidFill>
                 <a:effectLst/>
                 <a:latin typeface="AmazonEmberBold"/>
               </a:rPr>
@@ -15397,6 +15661,9 @@
             </a:r>
             <a:r>
               <a:rPr lang="en-GB" b="0" i="0" dirty="0" err="1">
+                <a:solidFill>
+                  <a:srgbClr val="FFFFFF"/>
+                </a:solidFill>
                 <a:effectLst/>
                 <a:latin typeface="AmazonEmberBold"/>
               </a:rPr>
@@ -15404,12 +15671,80 @@
             </a:r>
             <a:r>
               <a:rPr lang="en-GB" b="0" i="0" dirty="0">
+                <a:solidFill>
+                  <a:srgbClr val="FFFFFF"/>
+                </a:solidFill>
                 <a:effectLst/>
                 <a:latin typeface="AmazonEmberBold"/>
               </a:rPr>
               <a:t> for NetApp ONTAP</a:t>
             </a:r>
-            <a:endParaRPr lang="en-CH" dirty="0"/>
+            <a:endParaRPr lang="en-CH" dirty="0">
+              <a:solidFill>
+                <a:srgbClr val="FFFFFF"/>
+              </a:solidFill>
+            </a:endParaRPr>
+          </a:p>
+        </p:txBody>
+      </p:sp>
+      <p:sp>
+        <p:nvSpPr>
+          <p:cNvPr id="12" name="Arc 11">
+            <a:extLst>
+              <a:ext uri="{FF2B5EF4-FFF2-40B4-BE49-F238E27FC236}">
+                <a16:creationId xmlns:a16="http://schemas.microsoft.com/office/drawing/2014/main" id="{081E4A58-353D-44AE-B2FC-2A74E2E400F7}"/>
+              </a:ext>
+              <a:ext uri="{C183D7F6-B498-43B3-948B-1728B52AA6E4}">
+                <adec:decorative xmlns:adec="http://schemas.microsoft.com/office/drawing/2017/decorative" val="1"/>
+              </a:ext>
+            </a:extLst>
+          </p:cNvPr>
+          <p:cNvSpPr>
+            <a:spLocks noGrp="1" noRot="1" noChangeAspect="1" noMove="1" noResize="1" noEditPoints="1" noAdjustHandles="1" noChangeArrowheads="1" noChangeShapeType="1" noTextEdit="1"/>
+          </p:cNvSpPr>
+          <p:nvPr>
+            <p:extLst>
+              <p:ext uri="{386F3935-93C4-4BCD-93E2-E3B085C9AB24}">
+                <p16:designElem xmlns:p16="http://schemas.microsoft.com/office/powerpoint/2015/main" val="1"/>
+              </p:ext>
+            </p:extLst>
+          </p:nvPr>
+        </p:nvSpPr>
+        <p:spPr>
+          <a:xfrm flipV="1">
+            <a:off x="7550402" y="2455479"/>
+            <a:ext cx="4083433" cy="4083433"/>
+          </a:xfrm>
+          <a:prstGeom prst="arc">
+            <a:avLst/>
+          </a:prstGeom>
+          <a:ln w="127000" cap="rnd">
+            <a:solidFill>
+              <a:schemeClr val="accent4"/>
+            </a:solidFill>
+            <a:prstDash val="dash"/>
+          </a:ln>
+        </p:spPr>
+        <p:style>
+          <a:lnRef idx="1">
+            <a:schemeClr val="accent1"/>
+          </a:lnRef>
+          <a:fillRef idx="0">
+            <a:schemeClr val="accent1"/>
+          </a:fillRef>
+          <a:effectRef idx="0">
+            <a:schemeClr val="accent1"/>
+          </a:effectRef>
+          <a:fontRef idx="minor">
+            <a:schemeClr val="tx1"/>
+          </a:fontRef>
+        </p:style>
+        <p:txBody>
+          <a:bodyPr rtlCol="0" anchor="ctr"/>
+          <a:lstStyle/>
+          <a:p>
+            <a:pPr algn="ctr"/>
+            <a:endParaRPr lang="en-US" dirty="0"/>
           </a:p>
         </p:txBody>
       </p:sp>
@@ -15429,12 +15764,80 @@
             <p:ph idx="1"/>
           </p:nvPr>
         </p:nvSpPr>
-        <p:spPr/>
+        <p:spPr>
+          <a:xfrm>
+            <a:off x="4447308" y="591344"/>
+            <a:ext cx="6906491" cy="5585619"/>
+          </a:xfrm>
+        </p:spPr>
         <p:txBody>
-          <a:bodyPr/>
+          <a:bodyPr anchor="ctr">
+            <a:normAutofit/>
+          </a:bodyPr>
           <a:lstStyle/>
           <a:p>
-            <a:endParaRPr lang="en-CH"/>
+            <a:pPr algn="l"/>
+            <a:r>
+              <a:rPr lang="en-GB" b="0" i="0" dirty="0">
+                <a:effectLst/>
+                <a:latin typeface="AmazonEmber"/>
+              </a:rPr>
+              <a:t>Fully managed shared storage built on NetApp’s popular ONTAP file system</a:t>
+            </a:r>
+          </a:p>
+          <a:p>
+            <a:pPr algn="l"/>
+            <a:r>
+              <a:rPr lang="en-GB" b="0" i="0" dirty="0">
+                <a:effectLst/>
+                <a:latin typeface="Amazon Ember"/>
+              </a:rPr>
+              <a:t>With </a:t>
+            </a:r>
+            <a:r>
+              <a:rPr lang="en-GB" b="0" i="0" dirty="0" err="1">
+                <a:effectLst/>
+                <a:latin typeface="Amazon Ember"/>
+              </a:rPr>
+              <a:t>FSx</a:t>
+            </a:r>
+            <a:r>
+              <a:rPr lang="en-GB" b="0" i="0" dirty="0">
+                <a:effectLst/>
+                <a:latin typeface="Amazon Ember"/>
+              </a:rPr>
+              <a:t> for ONTAP, you can achieve SSD levels of performance for your workload while paying for SSD storage for only a small fraction of your data.</a:t>
+            </a:r>
+          </a:p>
+          <a:p>
+            <a:r>
+              <a:rPr lang="en-GB" dirty="0"/>
+              <a:t>NFS, SMB, iSCSI</a:t>
+            </a:r>
+          </a:p>
+          <a:p>
+            <a:r>
+              <a:rPr lang="en-GB" dirty="0"/>
+              <a:t>Works with:</a:t>
+            </a:r>
+          </a:p>
+          <a:p>
+            <a:pPr lvl="1"/>
+            <a:r>
+              <a:rPr lang="en-GB" dirty="0"/>
+              <a:t>Linux, Windows, MacOS, VMware</a:t>
+            </a:r>
+          </a:p>
+          <a:p>
+            <a:pPr lvl="1"/>
+            <a:r>
+              <a:rPr lang="en-GB" dirty="0"/>
+              <a:t> Ec2,ECS, EKS, on prime, etc</a:t>
+            </a:r>
+            <a:br>
+              <a:rPr lang="en-GB" dirty="0"/>
+            </a:br>
+            <a:endParaRPr lang="en-CH" dirty="0"/>
           </a:p>
         </p:txBody>
       </p:sp>
@@ -15473,6 +15876,469 @@
           <p:cNvPr id="2" name="Title 1">
             <a:extLst>
               <a:ext uri="{FF2B5EF4-FFF2-40B4-BE49-F238E27FC236}">
+                <a16:creationId xmlns:a16="http://schemas.microsoft.com/office/drawing/2014/main" id="{2BDCE70A-2D4C-9F03-FF99-90A6FA94C42D}"/>
+              </a:ext>
+            </a:extLst>
+          </p:cNvPr>
+          <p:cNvSpPr>
+            <a:spLocks noGrp="1"/>
+          </p:cNvSpPr>
+          <p:nvPr>
+            <p:ph type="title"/>
+          </p:nvPr>
+        </p:nvSpPr>
+        <p:spPr>
+          <a:xfrm>
+            <a:off x="572493" y="238540"/>
+            <a:ext cx="11018520" cy="938620"/>
+          </a:xfrm>
+        </p:spPr>
+        <p:txBody>
+          <a:bodyPr anchor="b">
+            <a:normAutofit/>
+          </a:bodyPr>
+          <a:lstStyle/>
+          <a:p>
+            <a:pPr fontAlgn="base"/>
+            <a:r>
+              <a:rPr lang="en-GB" sz="4800" b="0" i="0" dirty="0">
+                <a:effectLst/>
+                <a:latin typeface="AmazonEmberBold"/>
+              </a:rPr>
+              <a:t>Amazon </a:t>
+            </a:r>
+            <a:r>
+              <a:rPr lang="en-GB" sz="4800" b="0" i="0" dirty="0" err="1">
+                <a:effectLst/>
+                <a:latin typeface="AmazonEmberBold"/>
+              </a:rPr>
+              <a:t>FSx</a:t>
+            </a:r>
+            <a:r>
+              <a:rPr lang="en-GB" sz="4800" b="0" i="0" dirty="0">
+                <a:effectLst/>
+                <a:latin typeface="AmazonEmberBold"/>
+              </a:rPr>
+              <a:t> for NetApp ONTAP</a:t>
+            </a:r>
+            <a:endParaRPr lang="en-CH" sz="4600" dirty="0"/>
+          </a:p>
+        </p:txBody>
+      </p:sp>
+      <p:sp>
+        <p:nvSpPr>
+          <p:cNvPr id="3" name="Content Placeholder 2">
+            <a:extLst>
+              <a:ext uri="{FF2B5EF4-FFF2-40B4-BE49-F238E27FC236}">
+                <a16:creationId xmlns:a16="http://schemas.microsoft.com/office/drawing/2014/main" id="{E92F974D-419E-A7F8-B2F2-3FAF94C6CCCA}"/>
+              </a:ext>
+            </a:extLst>
+          </p:cNvPr>
+          <p:cNvSpPr>
+            <a:spLocks noGrp="1"/>
+          </p:cNvSpPr>
+          <p:nvPr>
+            <p:ph idx="1"/>
+          </p:nvPr>
+        </p:nvSpPr>
+        <p:spPr>
+          <a:xfrm>
+            <a:off x="279780" y="1705093"/>
+            <a:ext cx="3978485" cy="4180700"/>
+          </a:xfrm>
+        </p:spPr>
+        <p:txBody>
+          <a:bodyPr anchor="t">
+            <a:normAutofit/>
+          </a:bodyPr>
+          <a:lstStyle/>
+          <a:p>
+            <a:pPr algn="l"/>
+            <a:r>
+              <a:rPr lang="en-GB" sz="1600" b="0" i="0" dirty="0">
+                <a:solidFill>
+                  <a:srgbClr val="16191F"/>
+                </a:solidFill>
+                <a:effectLst/>
+                <a:latin typeface="Amazon Ember"/>
+              </a:rPr>
+              <a:t>Your client compute instances, whether they exist in AWS or on-premises, access your file system through one or ENI.</a:t>
+            </a:r>
+          </a:p>
+          <a:p>
+            <a:pPr algn="l"/>
+            <a:r>
+              <a:rPr lang="en-GB" sz="1600" b="0" i="0" dirty="0">
+                <a:solidFill>
+                  <a:srgbClr val="16191F"/>
+                </a:solidFill>
+                <a:effectLst/>
+                <a:latin typeface="Amazon Ember"/>
+              </a:rPr>
+              <a:t>Behind each file system ENI is an NetApp ONTAP file server that is serving data over the network to the clients accessing the file system.</a:t>
+            </a:r>
+          </a:p>
+          <a:p>
+            <a:pPr algn="l"/>
+            <a:r>
+              <a:rPr lang="en-GB" sz="1600" b="0" i="0" dirty="0">
+                <a:solidFill>
+                  <a:srgbClr val="16191F"/>
+                </a:solidFill>
+                <a:effectLst/>
+                <a:latin typeface="Amazon Ember"/>
+              </a:rPr>
+              <a:t>Amazon </a:t>
+            </a:r>
+            <a:r>
+              <a:rPr lang="en-GB" sz="1600" b="0" i="0" dirty="0" err="1">
+                <a:solidFill>
+                  <a:srgbClr val="16191F"/>
+                </a:solidFill>
+                <a:effectLst/>
+                <a:latin typeface="Amazon Ember"/>
+              </a:rPr>
+              <a:t>FSx</a:t>
+            </a:r>
+            <a:r>
+              <a:rPr lang="en-GB" sz="1600" b="0" i="0" dirty="0">
+                <a:solidFill>
+                  <a:srgbClr val="16191F"/>
+                </a:solidFill>
+                <a:effectLst/>
+                <a:latin typeface="Amazon Ember"/>
+              </a:rPr>
+              <a:t> provides a fast in-memory cache and </a:t>
+            </a:r>
+            <a:r>
+              <a:rPr lang="en-GB" sz="1600" b="0" i="0" dirty="0" err="1">
+                <a:solidFill>
+                  <a:srgbClr val="16191F"/>
+                </a:solidFill>
+                <a:effectLst/>
+                <a:latin typeface="Amazon Ember"/>
+              </a:rPr>
+              <a:t>NVMe</a:t>
+            </a:r>
+            <a:r>
+              <a:rPr lang="en-GB" sz="1600" b="0" i="0" dirty="0">
+                <a:solidFill>
+                  <a:srgbClr val="16191F"/>
+                </a:solidFill>
+                <a:effectLst/>
+                <a:latin typeface="Amazon Ember"/>
+              </a:rPr>
+              <a:t> cache on each file server to enhance performance for the most frequently accessed data.</a:t>
+            </a:r>
+          </a:p>
+          <a:p>
+            <a:pPr algn="l"/>
+            <a:r>
+              <a:rPr lang="en-GB" sz="1600" b="0" i="0" dirty="0">
+                <a:solidFill>
+                  <a:srgbClr val="16191F"/>
+                </a:solidFill>
+                <a:effectLst/>
+                <a:latin typeface="Amazon Ember"/>
+              </a:rPr>
+              <a:t>Attached to each file server are the SSD disks hosting your file system data.</a:t>
+            </a:r>
+            <a:br>
+              <a:rPr lang="en-GB" sz="1600" dirty="0"/>
+            </a:br>
+            <a:endParaRPr lang="en-GB" sz="1600" b="0" i="0" dirty="0">
+              <a:solidFill>
+                <a:srgbClr val="16191F"/>
+              </a:solidFill>
+              <a:effectLst/>
+            </a:endParaRPr>
+          </a:p>
+        </p:txBody>
+      </p:sp>
+      <p:pic>
+        <p:nvPicPr>
+          <p:cNvPr id="1026" name="Picture 2" descr="&#10;      FSx for ONTAP architecture.&#10;    ">
+            <a:extLst>
+              <a:ext uri="{FF2B5EF4-FFF2-40B4-BE49-F238E27FC236}">
+                <a16:creationId xmlns:a16="http://schemas.microsoft.com/office/drawing/2014/main" id="{6D696373-3F16-225B-0A81-3263B0C0FDC2}"/>
+              </a:ext>
+            </a:extLst>
+          </p:cNvPr>
+          <p:cNvPicPr>
+            <a:picLocks noChangeAspect="1" noChangeArrowheads="1"/>
+          </p:cNvPicPr>
+          <p:nvPr/>
+        </p:nvPicPr>
+        <p:blipFill>
+          <a:blip r:embed="rId2">
+            <a:extLst>
+              <a:ext uri="{28A0092B-C50C-407E-A947-70E740481C1C}">
+                <a14:useLocalDpi xmlns:a14="http://schemas.microsoft.com/office/drawing/2010/main" val="0"/>
+              </a:ext>
+            </a:extLst>
+          </a:blip>
+          <a:srcRect/>
+          <a:stretch>
+            <a:fillRect/>
+          </a:stretch>
+        </p:blipFill>
+        <p:spPr bwMode="auto">
+          <a:xfrm>
+            <a:off x="4258265" y="1414917"/>
+            <a:ext cx="7933735" cy="4470876"/>
+          </a:xfrm>
+          <a:prstGeom prst="rect">
+            <a:avLst/>
+          </a:prstGeom>
+          <a:noFill/>
+          <a:extLst>
+            <a:ext uri="{909E8E84-426E-40DD-AFC4-6F175D3DCCD1}">
+              <a14:hiddenFill xmlns:a14="http://schemas.microsoft.com/office/drawing/2010/main">
+                <a:solidFill>
+                  <a:srgbClr val="FFFFFF"/>
+                </a:solidFill>
+              </a14:hiddenFill>
+            </a:ext>
+          </a:extLst>
+        </p:spPr>
+      </p:pic>
+    </p:spTree>
+    <p:extLst>
+      <p:ext uri="{BB962C8B-B14F-4D97-AF65-F5344CB8AC3E}">
+        <p14:creationId xmlns:p14="http://schemas.microsoft.com/office/powerpoint/2010/main" val="3940567509"/>
+      </p:ext>
+    </p:extLst>
+  </p:cSld>
+  <p:clrMapOvr>
+    <a:masterClrMapping/>
+  </p:clrMapOvr>
+</p:sld>
+</file>
+
+<file path=ppt/slides/slide19.xml><?xml version="1.0" encoding="utf-8"?>
+<p:sld xmlns:a="http://schemas.openxmlformats.org/drawingml/2006/main" xmlns:r="http://schemas.openxmlformats.org/officeDocument/2006/relationships" xmlns:p="http://schemas.openxmlformats.org/presentationml/2006/main">
+  <p:cSld>
+    <p:bg>
+      <p:bgPr>
+        <a:solidFill>
+          <a:schemeClr val="bg1"/>
+        </a:solidFill>
+        <a:effectLst/>
+      </p:bgPr>
+    </p:bg>
+    <p:spTree>
+      <p:nvGrpSpPr>
+        <p:cNvPr id="1" name=""/>
+        <p:cNvGrpSpPr/>
+        <p:nvPr/>
+      </p:nvGrpSpPr>
+      <p:grpSpPr>
+        <a:xfrm>
+          <a:off x="0" y="0"/>
+          <a:ext cx="0" cy="0"/>
+          <a:chOff x="0" y="0"/>
+          <a:chExt cx="0" cy="0"/>
+        </a:xfrm>
+      </p:grpSpPr>
+      <p:sp useBgFill="1">
+        <p:nvSpPr>
+          <p:cNvPr id="8" name="Rectangle 7">
+            <a:extLst>
+              <a:ext uri="{FF2B5EF4-FFF2-40B4-BE49-F238E27FC236}">
+                <a16:creationId xmlns:a16="http://schemas.microsoft.com/office/drawing/2014/main" id="{907EF6B7-1338-4443-8C46-6A318D952DFD}"/>
+              </a:ext>
+              <a:ext uri="{C183D7F6-B498-43B3-948B-1728B52AA6E4}">
+                <adec:decorative xmlns:adec="http://schemas.microsoft.com/office/drawing/2017/decorative" val="1"/>
+              </a:ext>
+            </a:extLst>
+          </p:cNvPr>
+          <p:cNvSpPr>
+            <a:spLocks noGrp="1" noRot="1" noChangeAspect="1" noMove="1" noResize="1" noEditPoints="1" noAdjustHandles="1" noChangeArrowheads="1" noChangeShapeType="1" noTextEdit="1"/>
+          </p:cNvSpPr>
+          <p:nvPr>
+            <p:extLst>
+              <p:ext uri="{386F3935-93C4-4BCD-93E2-E3B085C9AB24}">
+                <p16:designElem xmlns:p16="http://schemas.microsoft.com/office/powerpoint/2015/main" val="1"/>
+              </p:ext>
+            </p:extLst>
+          </p:nvPr>
+        </p:nvSpPr>
+        <p:spPr>
+          <a:xfrm>
+            <a:off x="3048" y="0"/>
+            <a:ext cx="12188952" cy="6858000"/>
+          </a:xfrm>
+          <a:prstGeom prst="rect">
+            <a:avLst/>
+          </a:prstGeom>
+          <a:ln>
+            <a:noFill/>
+          </a:ln>
+        </p:spPr>
+        <p:style>
+          <a:lnRef idx="2">
+            <a:schemeClr val="accent1">
+              <a:shade val="50000"/>
+            </a:schemeClr>
+          </a:lnRef>
+          <a:fillRef idx="1">
+            <a:schemeClr val="accent1"/>
+          </a:fillRef>
+          <a:effectRef idx="0">
+            <a:schemeClr val="accent1"/>
+          </a:effectRef>
+          <a:fontRef idx="minor">
+            <a:schemeClr val="lt1"/>
+          </a:fontRef>
+        </p:style>
+        <p:txBody>
+          <a:bodyPr rtlCol="0" anchor="ctr"/>
+          <a:lstStyle/>
+          <a:p>
+            <a:pPr algn="ctr"/>
+            <a:endParaRPr lang="en-US"/>
+          </a:p>
+        </p:txBody>
+      </p:sp>
+      <p:sp>
+        <p:nvSpPr>
+          <p:cNvPr id="10" name="Freeform: Shape 9">
+            <a:extLst>
+              <a:ext uri="{FF2B5EF4-FFF2-40B4-BE49-F238E27FC236}">
+                <a16:creationId xmlns:a16="http://schemas.microsoft.com/office/drawing/2014/main" id="{DAAE4CDD-124C-4DCF-9584-B6033B545DD5}"/>
+              </a:ext>
+              <a:ext uri="{C183D7F6-B498-43B3-948B-1728B52AA6E4}">
+                <adec:decorative xmlns:adec="http://schemas.microsoft.com/office/drawing/2017/decorative" val="1"/>
+              </a:ext>
+            </a:extLst>
+          </p:cNvPr>
+          <p:cNvSpPr>
+            <a:spLocks noGrp="1" noRot="1" noChangeAspect="1" noMove="1" noResize="1" noEditPoints="1" noAdjustHandles="1" noChangeArrowheads="1" noChangeShapeType="1" noTextEdit="1"/>
+          </p:cNvSpPr>
+          <p:nvPr>
+            <p:extLst>
+              <p:ext uri="{386F3935-93C4-4BCD-93E2-E3B085C9AB24}">
+                <p16:designElem xmlns:p16="http://schemas.microsoft.com/office/powerpoint/2015/main" val="1"/>
+              </p:ext>
+            </p:extLst>
+          </p:nvPr>
+        </p:nvSpPr>
+        <p:spPr>
+          <a:xfrm>
+            <a:off x="1" y="0"/>
+            <a:ext cx="4167271" cy="6858000"/>
+          </a:xfrm>
+          <a:custGeom>
+            <a:avLst/>
+            <a:gdLst>
+              <a:gd name="connsiteX0" fmla="*/ 0 w 4167271"/>
+              <a:gd name="connsiteY0" fmla="*/ 0 h 6858000"/>
+              <a:gd name="connsiteX1" fmla="*/ 2259550 w 4167271"/>
+              <a:gd name="connsiteY1" fmla="*/ 0 h 6858000"/>
+              <a:gd name="connsiteX2" fmla="*/ 2387803 w 4167271"/>
+              <a:gd name="connsiteY2" fmla="*/ 82222 h 6858000"/>
+              <a:gd name="connsiteX3" fmla="*/ 4167271 w 4167271"/>
+              <a:gd name="connsiteY3" fmla="*/ 3429000 h 6858000"/>
+              <a:gd name="connsiteX4" fmla="*/ 2387803 w 4167271"/>
+              <a:gd name="connsiteY4" fmla="*/ 6775779 h 6858000"/>
+              <a:gd name="connsiteX5" fmla="*/ 2259550 w 4167271"/>
+              <a:gd name="connsiteY5" fmla="*/ 6858000 h 6858000"/>
+              <a:gd name="connsiteX6" fmla="*/ 0 w 4167271"/>
+              <a:gd name="connsiteY6" fmla="*/ 6858000 h 6858000"/>
+            </a:gdLst>
+            <a:ahLst/>
+            <a:cxnLst>
+              <a:cxn ang="0">
+                <a:pos x="connsiteX0" y="connsiteY0"/>
+              </a:cxn>
+              <a:cxn ang="0">
+                <a:pos x="connsiteX1" y="connsiteY1"/>
+              </a:cxn>
+              <a:cxn ang="0">
+                <a:pos x="connsiteX2" y="connsiteY2"/>
+              </a:cxn>
+              <a:cxn ang="0">
+                <a:pos x="connsiteX3" y="connsiteY3"/>
+              </a:cxn>
+              <a:cxn ang="0">
+                <a:pos x="connsiteX4" y="connsiteY4"/>
+              </a:cxn>
+              <a:cxn ang="0">
+                <a:pos x="connsiteX5" y="connsiteY5"/>
+              </a:cxn>
+              <a:cxn ang="0">
+                <a:pos x="connsiteX6" y="connsiteY6"/>
+              </a:cxn>
+            </a:cxnLst>
+            <a:rect l="l" t="t" r="r" b="b"/>
+            <a:pathLst>
+              <a:path w="4167271" h="6858000">
+                <a:moveTo>
+                  <a:pt x="0" y="0"/>
+                </a:moveTo>
+                <a:lnTo>
+                  <a:pt x="2259550" y="0"/>
+                </a:lnTo>
+                <a:lnTo>
+                  <a:pt x="2387803" y="82222"/>
+                </a:lnTo>
+                <a:cubicBezTo>
+                  <a:pt x="3461407" y="807534"/>
+                  <a:pt x="4167271" y="2035835"/>
+                  <a:pt x="4167271" y="3429000"/>
+                </a:cubicBezTo>
+                <a:cubicBezTo>
+                  <a:pt x="4167271" y="4822165"/>
+                  <a:pt x="3461407" y="6050467"/>
+                  <a:pt x="2387803" y="6775779"/>
+                </a:cubicBezTo>
+                <a:lnTo>
+                  <a:pt x="2259550" y="6858000"/>
+                </a:lnTo>
+                <a:lnTo>
+                  <a:pt x="0" y="6858000"/>
+                </a:lnTo>
+                <a:close/>
+              </a:path>
+            </a:pathLst>
+          </a:custGeom>
+          <a:solidFill>
+            <a:schemeClr val="accent2"/>
+          </a:solidFill>
+          <a:ln>
+            <a:noFill/>
+          </a:ln>
+        </p:spPr>
+        <p:style>
+          <a:lnRef idx="2">
+            <a:schemeClr val="accent1">
+              <a:shade val="50000"/>
+            </a:schemeClr>
+          </a:lnRef>
+          <a:fillRef idx="1">
+            <a:schemeClr val="accent1"/>
+          </a:fillRef>
+          <a:effectRef idx="0">
+            <a:schemeClr val="accent1"/>
+          </a:effectRef>
+          <a:fontRef idx="minor">
+            <a:schemeClr val="lt1"/>
+          </a:fontRef>
+        </p:style>
+        <p:txBody>
+          <a:bodyPr rtlCol="0" anchor="ctr"/>
+          <a:lstStyle/>
+          <a:p>
+            <a:pPr algn="ctr"/>
+            <a:endParaRPr lang="en-US"/>
+          </a:p>
+        </p:txBody>
+      </p:sp>
+      <p:sp>
+        <p:nvSpPr>
+          <p:cNvPr id="2" name="Title 1">
+            <a:extLst>
+              <a:ext uri="{FF2B5EF4-FFF2-40B4-BE49-F238E27FC236}">
                 <a16:creationId xmlns:a16="http://schemas.microsoft.com/office/drawing/2014/main" id="{25AC77DB-4279-90EC-4760-0443D82670BC}"/>
               </a:ext>
             </a:extLst>
@@ -15484,13 +16350,23 @@
             <p:ph type="title"/>
           </p:nvPr>
         </p:nvSpPr>
-        <p:spPr/>
+        <p:spPr>
+          <a:xfrm>
+            <a:off x="686834" y="1153572"/>
+            <a:ext cx="3200400" cy="4461163"/>
+          </a:xfrm>
+        </p:spPr>
         <p:txBody>
-          <a:bodyPr/>
+          <a:bodyPr>
+            <a:normAutofit/>
+          </a:bodyPr>
           <a:lstStyle/>
           <a:p>
             <a:r>
               <a:rPr lang="en-GB" b="0" i="0" dirty="0">
+                <a:solidFill>
+                  <a:srgbClr val="FFFFFF"/>
+                </a:solidFill>
                 <a:effectLst/>
                 <a:latin typeface="AmazonEmberBold"/>
               </a:rPr>
@@ -15498,6 +16374,9 @@
             </a:r>
             <a:r>
               <a:rPr lang="en-GB" b="0" i="0" dirty="0" err="1">
+                <a:solidFill>
+                  <a:srgbClr val="FFFFFF"/>
+                </a:solidFill>
                 <a:effectLst/>
                 <a:latin typeface="AmazonEmberBold"/>
               </a:rPr>
@@ -15505,19 +16384,90 @@
             </a:r>
             <a:r>
               <a:rPr lang="en-GB" b="0" i="0" dirty="0">
+                <a:solidFill>
+                  <a:srgbClr val="FFFFFF"/>
+                </a:solidFill>
                 <a:effectLst/>
                 <a:latin typeface="AmazonEmberBold"/>
               </a:rPr>
               <a:t> for </a:t>
             </a:r>
             <a:r>
-              <a:rPr lang="en-GB" b="0" i="0">
+              <a:rPr lang="en-GB" b="0" i="0" dirty="0" err="1">
+                <a:solidFill>
+                  <a:srgbClr val="FFFFFF"/>
+                </a:solidFill>
                 <a:effectLst/>
                 <a:latin typeface="AmazonEmberBold"/>
               </a:rPr>
               <a:t>OpenZFS</a:t>
             </a:r>
-            <a:endParaRPr lang="en-CH" dirty="0"/>
+            <a:endParaRPr lang="en-CH" dirty="0">
+              <a:solidFill>
+                <a:srgbClr val="FFFFFF"/>
+              </a:solidFill>
+            </a:endParaRPr>
+          </a:p>
+        </p:txBody>
+      </p:sp>
+      <p:sp>
+        <p:nvSpPr>
+          <p:cNvPr id="12" name="Arc 11">
+            <a:extLst>
+              <a:ext uri="{FF2B5EF4-FFF2-40B4-BE49-F238E27FC236}">
+                <a16:creationId xmlns:a16="http://schemas.microsoft.com/office/drawing/2014/main" id="{081E4A58-353D-44AE-B2FC-2A74E2E400F7}"/>
+              </a:ext>
+              <a:ext uri="{C183D7F6-B498-43B3-948B-1728B52AA6E4}">
+                <adec:decorative xmlns:adec="http://schemas.microsoft.com/office/drawing/2017/decorative" val="1"/>
+              </a:ext>
+            </a:extLst>
+          </p:cNvPr>
+          <p:cNvSpPr>
+            <a:spLocks noGrp="1" noRot="1" noChangeAspect="1" noMove="1" noResize="1" noEditPoints="1" noAdjustHandles="1" noChangeArrowheads="1" noChangeShapeType="1" noTextEdit="1"/>
+          </p:cNvSpPr>
+          <p:nvPr>
+            <p:extLst>
+              <p:ext uri="{386F3935-93C4-4BCD-93E2-E3B085C9AB24}">
+                <p16:designElem xmlns:p16="http://schemas.microsoft.com/office/powerpoint/2015/main" val="1"/>
+              </p:ext>
+            </p:extLst>
+          </p:nvPr>
+        </p:nvSpPr>
+        <p:spPr>
+          <a:xfrm flipV="1">
+            <a:off x="7550402" y="2455479"/>
+            <a:ext cx="4083433" cy="4083433"/>
+          </a:xfrm>
+          <a:prstGeom prst="arc">
+            <a:avLst/>
+          </a:prstGeom>
+          <a:ln w="127000" cap="rnd">
+            <a:solidFill>
+              <a:schemeClr val="accent4"/>
+            </a:solidFill>
+            <a:prstDash val="dash"/>
+          </a:ln>
+        </p:spPr>
+        <p:style>
+          <a:lnRef idx="1">
+            <a:schemeClr val="accent1"/>
+          </a:lnRef>
+          <a:fillRef idx="0">
+            <a:schemeClr val="accent1"/>
+          </a:fillRef>
+          <a:effectRef idx="0">
+            <a:schemeClr val="accent1"/>
+          </a:effectRef>
+          <a:fontRef idx="minor">
+            <a:schemeClr val="tx1"/>
+          </a:fontRef>
+        </p:style>
+        <p:txBody>
+          <a:bodyPr rtlCol="0" anchor="ctr"/>
+          <a:lstStyle/>
+          <a:p>
+            <a:pPr algn="ctr"/>
+            <a:endParaRPr lang="en-US" dirty="0"/>
           </a:p>
         </p:txBody>
       </p:sp>
@@ -15537,12 +16487,86 @@
             <p:ph idx="1"/>
           </p:nvPr>
         </p:nvSpPr>
-        <p:spPr/>
+        <p:spPr>
+          <a:xfrm>
+            <a:off x="4447308" y="591344"/>
+            <a:ext cx="6906491" cy="5585619"/>
+          </a:xfrm>
+        </p:spPr>
         <p:txBody>
-          <a:bodyPr/>
+          <a:bodyPr anchor="ctr">
+            <a:normAutofit/>
+          </a:bodyPr>
           <a:lstStyle/>
           <a:p>
-            <a:endParaRPr lang="en-CH"/>
+            <a:r>
+              <a:rPr lang="en-GB" sz="2400" b="0" i="0" dirty="0">
+                <a:effectLst/>
+                <a:latin typeface="AmazonEmber"/>
+              </a:rPr>
+              <a:t>Fully managed shared storage built on the popular </a:t>
+            </a:r>
+            <a:r>
+              <a:rPr lang="en-GB" sz="2400" b="0" i="0" dirty="0" err="1">
+                <a:effectLst/>
+                <a:latin typeface="AmazonEmber"/>
+              </a:rPr>
+              <a:t>OpenZFS</a:t>
+            </a:r>
+            <a:r>
+              <a:rPr lang="en-GB" sz="2400" b="0" i="0" dirty="0">
+                <a:effectLst/>
+                <a:latin typeface="AmazonEmber"/>
+              </a:rPr>
+              <a:t> file system</a:t>
+            </a:r>
+          </a:p>
+          <a:p>
+            <a:r>
+              <a:rPr lang="en-GB" sz="2400" b="0" i="0" dirty="0">
+                <a:effectLst/>
+                <a:latin typeface="AmazonEmber"/>
+              </a:rPr>
+              <a:t>Move workloads running on ZFS or other Linux-based file servers to AWS without modifying application code or how you manage data.</a:t>
+            </a:r>
+          </a:p>
+          <a:p>
+            <a:r>
+              <a:rPr lang="en-GB" sz="2400" b="0" i="0" dirty="0">
+                <a:effectLst/>
+                <a:latin typeface="AmazonEmber"/>
+              </a:rPr>
+              <a:t>Power machine learning (ML), financial analytics, and other data-intensive applications with high-IOPS storage.</a:t>
+            </a:r>
+            <a:endParaRPr lang="en-GB" sz="2400" dirty="0">
+              <a:latin typeface="AmazonEmber"/>
+            </a:endParaRPr>
+          </a:p>
+          <a:p>
+            <a:r>
+              <a:rPr lang="en-GB" sz="2400" b="0" i="0" dirty="0">
+                <a:effectLst/>
+                <a:latin typeface="AmazonEmber"/>
+              </a:rPr>
+              <a:t>NFS (v3,v4,v4.1,v4.2</a:t>
+            </a:r>
+          </a:p>
+          <a:p>
+            <a:r>
+              <a:rPr lang="en-GB" sz="2400" dirty="0">
+                <a:latin typeface="AmazonEmber"/>
+              </a:rPr>
+              <a:t>PITR cloning</a:t>
+            </a:r>
+          </a:p>
+          <a:p>
+            <a:r>
+              <a:rPr lang="en-GB" sz="2400" b="0" i="0" dirty="0">
+                <a:effectLst/>
+                <a:latin typeface="AmazonEmber"/>
+              </a:rPr>
+              <a:t>Test changes efficiently by cloning application data in seconds, and reduce build times with fast storage for repositories and DevOps solutions, such as Git, Bitbucket, and Jenkins.</a:t>
+            </a:r>
           </a:p>
         </p:txBody>
       </p:sp>
@@ -15550,108 +16574,6 @@
     <p:extLst>
       <p:ext uri="{BB962C8B-B14F-4D97-AF65-F5344CB8AC3E}">
         <p14:creationId xmlns:p14="http://schemas.microsoft.com/office/powerpoint/2010/main" val="95855650"/>
-      </p:ext>
-    </p:extLst>
-  </p:cSld>
-  <p:clrMapOvr>
-    <a:masterClrMapping/>
-  </p:clrMapOvr>
-</p:sld>
-</file>
-
-<file path=ppt/slides/slide19.xml><?xml version="1.0" encoding="utf-8"?>
-<p:sld xmlns:a="http://schemas.openxmlformats.org/drawingml/2006/main" xmlns:r="http://schemas.openxmlformats.org/officeDocument/2006/relationships" xmlns:p="http://schemas.openxmlformats.org/presentationml/2006/main">
-  <p:cSld>
-    <p:spTree>
-      <p:nvGrpSpPr>
-        <p:cNvPr id="1" name=""/>
-        <p:cNvGrpSpPr/>
-        <p:nvPr/>
-      </p:nvGrpSpPr>
-      <p:grpSpPr>
-        <a:xfrm>
-          <a:off x="0" y="0"/>
-          <a:ext cx="0" cy="0"/>
-          <a:chOff x="0" y="0"/>
-          <a:chExt cx="0" cy="0"/>
-        </a:xfrm>
-      </p:grpSpPr>
-      <p:sp>
-        <p:nvSpPr>
-          <p:cNvPr id="2" name="Title 1">
-            <a:extLst>
-              <a:ext uri="{FF2B5EF4-FFF2-40B4-BE49-F238E27FC236}">
-                <a16:creationId xmlns:a16="http://schemas.microsoft.com/office/drawing/2014/main" id="{492F6D72-0C2B-ED9B-19B9-A3DFA4FA9F37}"/>
-              </a:ext>
-            </a:extLst>
-          </p:cNvPr>
-          <p:cNvSpPr>
-            <a:spLocks noGrp="1"/>
-          </p:cNvSpPr>
-          <p:nvPr>
-            <p:ph type="title"/>
-          </p:nvPr>
-        </p:nvSpPr>
-        <p:spPr/>
-        <p:txBody>
-          <a:bodyPr/>
-          <a:lstStyle/>
-          <a:p>
-            <a:r>
-              <a:rPr lang="en-GB" b="0" i="0" dirty="0">
-                <a:effectLst/>
-                <a:latin typeface="AmazonEmberBold"/>
-              </a:rPr>
-              <a:t>Amazon </a:t>
-            </a:r>
-            <a:r>
-              <a:rPr lang="en-GB" b="0" i="0" dirty="0" err="1">
-                <a:effectLst/>
-                <a:latin typeface="AmazonEmberBold"/>
-              </a:rPr>
-              <a:t>FSx</a:t>
-            </a:r>
-            <a:r>
-              <a:rPr lang="en-GB" b="0" i="0" dirty="0">
-                <a:effectLst/>
-                <a:latin typeface="AmazonEmberBold"/>
-              </a:rPr>
-              <a:t> Pricing</a:t>
-            </a:r>
-            <a:endParaRPr lang="en-CH" dirty="0"/>
-          </a:p>
-        </p:txBody>
-      </p:sp>
-      <p:graphicFrame>
-        <p:nvGraphicFramePr>
-          <p:cNvPr id="5" name="Content Placeholder 2">
-            <a:extLst>
-              <a:ext uri="{FF2B5EF4-FFF2-40B4-BE49-F238E27FC236}">
-                <a16:creationId xmlns:a16="http://schemas.microsoft.com/office/drawing/2014/main" id="{8FDA063D-AF0D-351C-8C30-635CFFE55312}"/>
-              </a:ext>
-            </a:extLst>
-          </p:cNvPr>
-          <p:cNvGraphicFramePr>
-            <a:graphicFrameLocks noGrp="1"/>
-          </p:cNvGraphicFramePr>
-          <p:nvPr>
-            <p:ph idx="1"/>
-          </p:nvPr>
-        </p:nvGraphicFramePr>
-        <p:xfrm>
-          <a:off x="838200" y="1825625"/>
-          <a:ext cx="10515600" cy="4351338"/>
-        </p:xfrm>
-        <a:graphic>
-          <a:graphicData uri="http://schemas.openxmlformats.org/drawingml/2006/diagram">
-            <dgm:relIds xmlns:dgm="http://schemas.openxmlformats.org/drawingml/2006/diagram" xmlns:r="http://schemas.openxmlformats.org/officeDocument/2006/relationships" r:dm="rId2" r:lo="rId3" r:qs="rId4" r:cs="rId5"/>
-          </a:graphicData>
-        </a:graphic>
-      </p:graphicFrame>
-    </p:spTree>
-    <p:extLst>
-      <p:ext uri="{BB962C8B-B14F-4D97-AF65-F5344CB8AC3E}">
-        <p14:creationId xmlns:p14="http://schemas.microsoft.com/office/powerpoint/2010/main" val="1776296911"/>
       </p:ext>
     </p:extLst>
   </p:cSld>
@@ -16715,7 +17637,299 @@
           <p:cNvPr id="2" name="Title 1">
             <a:extLst>
               <a:ext uri="{FF2B5EF4-FFF2-40B4-BE49-F238E27FC236}">
-                <a16:creationId xmlns:a16="http://schemas.microsoft.com/office/drawing/2014/main" id="{BD6EA94D-9B83-5E83-5F06-E4908AB55B19}"/>
+                <a16:creationId xmlns:a16="http://schemas.microsoft.com/office/drawing/2014/main" id="{2BDCE70A-2D4C-9F03-FF99-90A6FA94C42D}"/>
+              </a:ext>
+            </a:extLst>
+          </p:cNvPr>
+          <p:cNvSpPr>
+            <a:spLocks noGrp="1"/>
+          </p:cNvSpPr>
+          <p:nvPr>
+            <p:ph type="title"/>
+          </p:nvPr>
+        </p:nvSpPr>
+        <p:spPr>
+          <a:xfrm>
+            <a:off x="572493" y="238540"/>
+            <a:ext cx="11018520" cy="938620"/>
+          </a:xfrm>
+        </p:spPr>
+        <p:txBody>
+          <a:bodyPr anchor="b">
+            <a:normAutofit/>
+          </a:bodyPr>
+          <a:lstStyle/>
+          <a:p>
+            <a:pPr fontAlgn="base"/>
+            <a:r>
+              <a:rPr lang="en-GB" sz="4800" b="0" i="0" dirty="0">
+                <a:effectLst/>
+                <a:latin typeface="AmazonEmberBold"/>
+              </a:rPr>
+              <a:t>Amazon </a:t>
+            </a:r>
+            <a:r>
+              <a:rPr lang="en-GB" sz="4800" b="0" i="0" dirty="0" err="1">
+                <a:effectLst/>
+                <a:latin typeface="AmazonEmberBold"/>
+              </a:rPr>
+              <a:t>FSx</a:t>
+            </a:r>
+            <a:r>
+              <a:rPr lang="en-GB" sz="4800" b="0" i="0" dirty="0">
+                <a:effectLst/>
+                <a:latin typeface="AmazonEmberBold"/>
+              </a:rPr>
+              <a:t> for </a:t>
+            </a:r>
+            <a:r>
+              <a:rPr lang="en-GB" sz="4800" b="0" i="0" dirty="0" err="1">
+                <a:effectLst/>
+                <a:latin typeface="AmazonEmberBold"/>
+              </a:rPr>
+              <a:t>OpenZFS</a:t>
+            </a:r>
+            <a:endParaRPr lang="en-CH" sz="4600" dirty="0"/>
+          </a:p>
+        </p:txBody>
+      </p:sp>
+      <p:sp>
+        <p:nvSpPr>
+          <p:cNvPr id="3" name="Content Placeholder 2">
+            <a:extLst>
+              <a:ext uri="{FF2B5EF4-FFF2-40B4-BE49-F238E27FC236}">
+                <a16:creationId xmlns:a16="http://schemas.microsoft.com/office/drawing/2014/main" id="{E92F974D-419E-A7F8-B2F2-3FAF94C6CCCA}"/>
+              </a:ext>
+            </a:extLst>
+          </p:cNvPr>
+          <p:cNvSpPr>
+            <a:spLocks noGrp="1"/>
+          </p:cNvSpPr>
+          <p:nvPr>
+            <p:ph idx="1"/>
+          </p:nvPr>
+        </p:nvSpPr>
+        <p:spPr>
+          <a:xfrm>
+            <a:off x="279780" y="1705092"/>
+            <a:ext cx="3978485" cy="4453969"/>
+          </a:xfrm>
+        </p:spPr>
+        <p:txBody>
+          <a:bodyPr anchor="t">
+            <a:normAutofit/>
+          </a:bodyPr>
+          <a:lstStyle/>
+          <a:p>
+            <a:pPr algn="l"/>
+            <a:r>
+              <a:rPr lang="en-GB" sz="1600" b="0" i="0" dirty="0">
+                <a:solidFill>
+                  <a:srgbClr val="16191F"/>
+                </a:solidFill>
+                <a:effectLst/>
+                <a:latin typeface="Amazon Ember"/>
+              </a:rPr>
+              <a:t>File-based workloads are typically spiky, characterized by short, intense periods of high I/O with plenty of idle time between bursts.</a:t>
+            </a:r>
+          </a:p>
+          <a:p>
+            <a:pPr algn="l"/>
+            <a:r>
+              <a:rPr lang="en-GB" sz="1600" b="0" i="0" dirty="0">
+                <a:solidFill>
+                  <a:srgbClr val="16191F"/>
+                </a:solidFill>
+                <a:effectLst/>
+                <a:latin typeface="Amazon Ember"/>
+              </a:rPr>
+              <a:t>To support spiky workloads, in addition to the </a:t>
+            </a:r>
+            <a:r>
+              <a:rPr lang="en-GB" sz="1600" b="0" i="1" dirty="0">
+                <a:solidFill>
+                  <a:srgbClr val="16191F"/>
+                </a:solidFill>
+                <a:effectLst/>
+                <a:latin typeface="Amazon Ember"/>
+              </a:rPr>
+              <a:t>baseline</a:t>
+            </a:r>
+            <a:r>
+              <a:rPr lang="en-GB" sz="1600" b="0" i="0" dirty="0">
+                <a:solidFill>
+                  <a:srgbClr val="16191F"/>
+                </a:solidFill>
+                <a:effectLst/>
+                <a:latin typeface="Amazon Ember"/>
+              </a:rPr>
+              <a:t> speeds that a file system can sustain 24/7, Amazon </a:t>
+            </a:r>
+            <a:r>
+              <a:rPr lang="en-GB" sz="1600" b="0" i="0" dirty="0" err="1">
+                <a:solidFill>
+                  <a:srgbClr val="16191F"/>
+                </a:solidFill>
+                <a:effectLst/>
+                <a:latin typeface="Amazon Ember"/>
+              </a:rPr>
+              <a:t>FSx</a:t>
+            </a:r>
+            <a:r>
+              <a:rPr lang="en-GB" sz="1600" b="0" i="0" dirty="0">
+                <a:solidFill>
+                  <a:srgbClr val="16191F"/>
+                </a:solidFill>
+                <a:effectLst/>
+                <a:latin typeface="Amazon Ember"/>
+              </a:rPr>
+              <a:t> provides the capability to </a:t>
+            </a:r>
+            <a:r>
+              <a:rPr lang="en-GB" sz="1600" b="0" i="1" dirty="0">
+                <a:solidFill>
+                  <a:srgbClr val="16191F"/>
+                </a:solidFill>
+                <a:effectLst/>
+                <a:latin typeface="Amazon Ember"/>
+              </a:rPr>
+              <a:t>burst</a:t>
+            </a:r>
+            <a:r>
+              <a:rPr lang="en-GB" sz="1600" b="0" i="0" dirty="0">
+                <a:solidFill>
+                  <a:srgbClr val="16191F"/>
+                </a:solidFill>
+                <a:effectLst/>
+                <a:latin typeface="Amazon Ember"/>
+              </a:rPr>
+              <a:t> to higher speeds for periods of time for both network I/O and disk I/O operations</a:t>
+            </a:r>
+          </a:p>
+          <a:p>
+            <a:pPr algn="l"/>
+            <a:r>
+              <a:rPr lang="en-GB" sz="1600" b="0" i="0" dirty="0">
+                <a:solidFill>
+                  <a:srgbClr val="16191F"/>
+                </a:solidFill>
+                <a:effectLst/>
+                <a:latin typeface="Amazon Ember"/>
+              </a:rPr>
+              <a:t>Amazon </a:t>
+            </a:r>
+            <a:r>
+              <a:rPr lang="en-GB" sz="1600" b="0" i="0" dirty="0" err="1">
+                <a:solidFill>
+                  <a:srgbClr val="16191F"/>
+                </a:solidFill>
+                <a:effectLst/>
+                <a:latin typeface="Amazon Ember"/>
+              </a:rPr>
+              <a:t>FSx</a:t>
+            </a:r>
+            <a:r>
+              <a:rPr lang="en-GB" sz="1600" b="0" i="0" dirty="0">
+                <a:solidFill>
+                  <a:srgbClr val="16191F"/>
+                </a:solidFill>
+                <a:effectLst/>
+                <a:latin typeface="Amazon Ember"/>
+              </a:rPr>
+              <a:t> uses a network I/O credit mechanism to allocate throughput and IOPS based on average utilization — file systems accrue credits when their throughput and IOPS usage is below their baseline limits, and can use these credits when they perform I/O operations.</a:t>
+            </a:r>
+            <a:endParaRPr lang="en-GB" sz="1600" b="0" i="0" dirty="0">
+              <a:solidFill>
+                <a:srgbClr val="16191F"/>
+              </a:solidFill>
+              <a:effectLst/>
+            </a:endParaRPr>
+          </a:p>
+        </p:txBody>
+      </p:sp>
+      <p:pic>
+        <p:nvPicPr>
+          <p:cNvPr id="2050" name="Picture 2" descr="&#10;        Diagram showing how data is accessed in an FSx for OpenZFS&#10;          file system.&#10;      ">
+            <a:extLst>
+              <a:ext uri="{FF2B5EF4-FFF2-40B4-BE49-F238E27FC236}">
+                <a16:creationId xmlns:a16="http://schemas.microsoft.com/office/drawing/2014/main" id="{F6B1B5BC-D85D-615F-C567-61BBCDF74D39}"/>
+              </a:ext>
+            </a:extLst>
+          </p:cNvPr>
+          <p:cNvPicPr>
+            <a:picLocks noChangeAspect="1" noChangeArrowheads="1"/>
+          </p:cNvPicPr>
+          <p:nvPr/>
+        </p:nvPicPr>
+        <p:blipFill>
+          <a:blip r:embed="rId2">
+            <a:extLst>
+              <a:ext uri="{28A0092B-C50C-407E-A947-70E740481C1C}">
+                <a14:useLocalDpi xmlns:a14="http://schemas.microsoft.com/office/drawing/2010/main" val="0"/>
+              </a:ext>
+            </a:extLst>
+          </a:blip>
+          <a:srcRect/>
+          <a:stretch>
+            <a:fillRect/>
+          </a:stretch>
+        </p:blipFill>
+        <p:spPr bwMode="auto">
+          <a:xfrm>
+            <a:off x="4458230" y="1597572"/>
+            <a:ext cx="7733770" cy="4337155"/>
+          </a:xfrm>
+          <a:prstGeom prst="rect">
+            <a:avLst/>
+          </a:prstGeom>
+          <a:noFill/>
+          <a:extLst>
+            <a:ext uri="{909E8E84-426E-40DD-AFC4-6F175D3DCCD1}">
+              <a14:hiddenFill xmlns:a14="http://schemas.microsoft.com/office/drawing/2010/main">
+                <a:solidFill>
+                  <a:srgbClr val="FFFFFF"/>
+                </a:solidFill>
+              </a14:hiddenFill>
+            </a:ext>
+          </a:extLst>
+        </p:spPr>
+      </p:pic>
+    </p:spTree>
+    <p:extLst>
+      <p:ext uri="{BB962C8B-B14F-4D97-AF65-F5344CB8AC3E}">
+        <p14:creationId xmlns:p14="http://schemas.microsoft.com/office/powerpoint/2010/main" val="219345693"/>
+      </p:ext>
+    </p:extLst>
+  </p:cSld>
+  <p:clrMapOvr>
+    <a:masterClrMapping/>
+  </p:clrMapOvr>
+</p:sld>
+</file>
+
+<file path=ppt/slides/slide21.xml><?xml version="1.0" encoding="utf-8"?>
+<p:sld xmlns:a="http://schemas.openxmlformats.org/drawingml/2006/main" xmlns:r="http://schemas.openxmlformats.org/officeDocument/2006/relationships" xmlns:p="http://schemas.openxmlformats.org/presentationml/2006/main">
+  <p:cSld>
+    <p:spTree>
+      <p:nvGrpSpPr>
+        <p:cNvPr id="1" name=""/>
+        <p:cNvGrpSpPr/>
+        <p:nvPr/>
+      </p:nvGrpSpPr>
+      <p:grpSpPr>
+        <a:xfrm>
+          <a:off x="0" y="0"/>
+          <a:ext cx="0" cy="0"/>
+          <a:chOff x="0" y="0"/>
+          <a:chExt cx="0" cy="0"/>
+        </a:xfrm>
+      </p:grpSpPr>
+      <p:sp>
+        <p:nvSpPr>
+          <p:cNvPr id="2" name="Title 1">
+            <a:extLst>
+              <a:ext uri="{FF2B5EF4-FFF2-40B4-BE49-F238E27FC236}">
+                <a16:creationId xmlns:a16="http://schemas.microsoft.com/office/drawing/2014/main" id="{492F6D72-0C2B-ED9B-19B9-A3DFA4FA9F37}"/>
               </a:ext>
             </a:extLst>
           </p:cNvPr>
@@ -16728,43 +17942,375 @@
         </p:nvSpPr>
         <p:spPr/>
         <p:txBody>
+          <a:bodyPr/>
+          <a:lstStyle/>
+          <a:p>
+            <a:r>
+              <a:rPr lang="en-GB" b="0" i="0" dirty="0">
+                <a:effectLst/>
+                <a:latin typeface="AmazonEmberBold"/>
+              </a:rPr>
+              <a:t>Amazon </a:t>
+            </a:r>
+            <a:r>
+              <a:rPr lang="en-GB" b="0" i="0" dirty="0" err="1">
+                <a:effectLst/>
+                <a:latin typeface="AmazonEmberBold"/>
+              </a:rPr>
+              <a:t>FSx</a:t>
+            </a:r>
+            <a:r>
+              <a:rPr lang="en-GB" b="0" i="0" dirty="0">
+                <a:effectLst/>
+                <a:latin typeface="AmazonEmberBold"/>
+              </a:rPr>
+              <a:t> Pricing</a:t>
+            </a:r>
+            <a:endParaRPr lang="en-CH" dirty="0"/>
+          </a:p>
+        </p:txBody>
+      </p:sp>
+      <p:graphicFrame>
+        <p:nvGraphicFramePr>
+          <p:cNvPr id="5" name="Content Placeholder 2">
+            <a:extLst>
+              <a:ext uri="{FF2B5EF4-FFF2-40B4-BE49-F238E27FC236}">
+                <a16:creationId xmlns:a16="http://schemas.microsoft.com/office/drawing/2014/main" id="{8FDA063D-AF0D-351C-8C30-635CFFE55312}"/>
+              </a:ext>
+            </a:extLst>
+          </p:cNvPr>
+          <p:cNvGraphicFramePr>
+            <a:graphicFrameLocks noGrp="1"/>
+          </p:cNvGraphicFramePr>
+          <p:nvPr>
+            <p:ph idx="1"/>
+          </p:nvPr>
+        </p:nvGraphicFramePr>
+        <p:xfrm>
+          <a:off x="838200" y="1825625"/>
+          <a:ext cx="10515600" cy="4351338"/>
+        </p:xfrm>
+        <a:graphic>
+          <a:graphicData uri="http://schemas.openxmlformats.org/drawingml/2006/diagram">
+            <dgm:relIds xmlns:dgm="http://schemas.openxmlformats.org/drawingml/2006/diagram" xmlns:r="http://schemas.openxmlformats.org/officeDocument/2006/relationships" r:dm="rId2" r:lo="rId3" r:qs="rId4" r:cs="rId5"/>
+          </a:graphicData>
+        </a:graphic>
+      </p:graphicFrame>
+    </p:spTree>
+    <p:extLst>
+      <p:ext uri="{BB962C8B-B14F-4D97-AF65-F5344CB8AC3E}">
+        <p14:creationId xmlns:p14="http://schemas.microsoft.com/office/powerpoint/2010/main" val="1776296911"/>
+      </p:ext>
+    </p:extLst>
+  </p:cSld>
+  <p:clrMapOvr>
+    <a:masterClrMapping/>
+  </p:clrMapOvr>
+</p:sld>
+</file>
+
+<file path=ppt/slides/slide22.xml><?xml version="1.0" encoding="utf-8"?>
+<p:sld xmlns:a="http://schemas.openxmlformats.org/drawingml/2006/main" xmlns:r="http://schemas.openxmlformats.org/officeDocument/2006/relationships" xmlns:p="http://schemas.openxmlformats.org/presentationml/2006/main">
+  <p:cSld>
+    <p:bg>
+      <p:bgPr>
+        <a:solidFill>
+          <a:schemeClr val="bg1"/>
+        </a:solidFill>
+        <a:effectLst/>
+      </p:bgPr>
+    </p:bg>
+    <p:spTree>
+      <p:nvGrpSpPr>
+        <p:cNvPr id="1" name=""/>
+        <p:cNvGrpSpPr/>
+        <p:nvPr/>
+      </p:nvGrpSpPr>
+      <p:grpSpPr>
+        <a:xfrm>
+          <a:off x="0" y="0"/>
+          <a:ext cx="0" cy="0"/>
+          <a:chOff x="0" y="0"/>
+          <a:chExt cx="0" cy="0"/>
+        </a:xfrm>
+      </p:grpSpPr>
+      <p:sp useBgFill="1">
+        <p:nvSpPr>
+          <p:cNvPr id="8" name="Rectangle 7">
+            <a:extLst>
+              <a:ext uri="{FF2B5EF4-FFF2-40B4-BE49-F238E27FC236}">
+                <a16:creationId xmlns:a16="http://schemas.microsoft.com/office/drawing/2014/main" id="{389575E1-3389-451A-A5F7-27854C25C599}"/>
+              </a:ext>
+              <a:ext uri="{C183D7F6-B498-43B3-948B-1728B52AA6E4}">
+                <adec:decorative xmlns:adec="http://schemas.microsoft.com/office/drawing/2017/decorative" val="1"/>
+              </a:ext>
+            </a:extLst>
+          </p:cNvPr>
+          <p:cNvSpPr>
+            <a:spLocks noGrp="1" noRot="1" noChangeAspect="1" noMove="1" noResize="1" noEditPoints="1" noAdjustHandles="1" noChangeArrowheads="1" noChangeShapeType="1" noTextEdit="1"/>
+          </p:cNvSpPr>
+          <p:nvPr>
+            <p:extLst>
+              <p:ext uri="{386F3935-93C4-4BCD-93E2-E3B085C9AB24}">
+                <p16:designElem xmlns:p16="http://schemas.microsoft.com/office/powerpoint/2015/main" val="1"/>
+              </p:ext>
+            </p:extLst>
+          </p:nvPr>
+        </p:nvSpPr>
+        <p:spPr>
+          <a:xfrm>
+            <a:off x="3048" y="4293"/>
+            <a:ext cx="12188952" cy="6858000"/>
+          </a:xfrm>
+          <a:prstGeom prst="rect">
+            <a:avLst/>
+          </a:prstGeom>
+          <a:ln>
+            <a:noFill/>
+          </a:ln>
+        </p:spPr>
+        <p:style>
+          <a:lnRef idx="2">
+            <a:schemeClr val="accent1">
+              <a:shade val="50000"/>
+            </a:schemeClr>
+          </a:lnRef>
+          <a:fillRef idx="1">
+            <a:schemeClr val="accent1"/>
+          </a:fillRef>
+          <a:effectRef idx="0">
+            <a:schemeClr val="accent1"/>
+          </a:effectRef>
+          <a:fontRef idx="minor">
+            <a:schemeClr val="lt1"/>
+          </a:fontRef>
+        </p:style>
+        <p:txBody>
+          <a:bodyPr rtlCol="0" anchor="ctr"/>
+          <a:lstStyle/>
+          <a:p>
+            <a:pPr algn="ctr"/>
+            <a:endParaRPr lang="en-US"/>
+          </a:p>
+        </p:txBody>
+      </p:sp>
+      <p:sp>
+        <p:nvSpPr>
+          <p:cNvPr id="10" name="Rectangle 9">
+            <a:extLst>
+              <a:ext uri="{FF2B5EF4-FFF2-40B4-BE49-F238E27FC236}">
+                <a16:creationId xmlns:a16="http://schemas.microsoft.com/office/drawing/2014/main" id="{A53CCC5C-D88E-40FB-B30B-23DCDBD01D37}"/>
+              </a:ext>
+              <a:ext uri="{C183D7F6-B498-43B3-948B-1728B52AA6E4}">
+                <adec:decorative xmlns:adec="http://schemas.microsoft.com/office/drawing/2017/decorative" val="1"/>
+              </a:ext>
+            </a:extLst>
+          </p:cNvPr>
+          <p:cNvSpPr>
+            <a:spLocks noGrp="1" noRot="1" noChangeAspect="1" noMove="1" noResize="1" noEditPoints="1" noAdjustHandles="1" noChangeArrowheads="1" noChangeShapeType="1" noTextEdit="1"/>
+          </p:cNvSpPr>
+          <p:nvPr>
+            <p:extLst>
+              <p:ext uri="{386F3935-93C4-4BCD-93E2-E3B085C9AB24}">
+                <p16:designElem xmlns:p16="http://schemas.microsoft.com/office/powerpoint/2015/main" val="1"/>
+              </p:ext>
+            </p:extLst>
+          </p:nvPr>
+        </p:nvSpPr>
+        <p:spPr>
+          <a:xfrm>
+            <a:off x="0" y="-4"/>
+            <a:ext cx="4167268" cy="6858004"/>
+          </a:xfrm>
+          <a:prstGeom prst="rect">
+            <a:avLst/>
+          </a:prstGeom>
+          <a:solidFill>
+            <a:schemeClr val="accent2"/>
+          </a:solidFill>
+          <a:ln>
+            <a:noFill/>
+          </a:ln>
+        </p:spPr>
+        <p:style>
+          <a:lnRef idx="2">
+            <a:schemeClr val="accent1">
+              <a:shade val="50000"/>
+            </a:schemeClr>
+          </a:lnRef>
+          <a:fillRef idx="1">
+            <a:schemeClr val="accent1"/>
+          </a:fillRef>
+          <a:effectRef idx="0">
+            <a:schemeClr val="accent1"/>
+          </a:effectRef>
+          <a:fontRef idx="minor">
+            <a:schemeClr val="lt1"/>
+          </a:fontRef>
+        </p:style>
+        <p:txBody>
+          <a:bodyPr rtlCol="0" anchor="ctr"/>
+          <a:lstStyle/>
+          <a:p>
+            <a:pPr algn="ctr"/>
+            <a:endParaRPr lang="en-US"/>
+          </a:p>
+        </p:txBody>
+      </p:sp>
+      <p:sp>
+        <p:nvSpPr>
+          <p:cNvPr id="2" name="Title 1">
+            <a:extLst>
+              <a:ext uri="{FF2B5EF4-FFF2-40B4-BE49-F238E27FC236}">
+                <a16:creationId xmlns:a16="http://schemas.microsoft.com/office/drawing/2014/main" id="{7C5335DC-1E03-FAA6-5269-D24EA0637A09}"/>
+              </a:ext>
+            </a:extLst>
+          </p:cNvPr>
+          <p:cNvSpPr>
+            <a:spLocks noGrp="1"/>
+          </p:cNvSpPr>
+          <p:nvPr>
+            <p:ph type="title"/>
+          </p:nvPr>
+        </p:nvSpPr>
+        <p:spPr>
+          <a:xfrm>
+            <a:off x="686834" y="591344"/>
+            <a:ext cx="3200400" cy="5585619"/>
+          </a:xfrm>
+        </p:spPr>
+        <p:txBody>
           <a:bodyPr>
             <a:normAutofit/>
           </a:bodyPr>
           <a:lstStyle/>
           <a:p>
-            <a:pPr fontAlgn="base"/>
-            <a:r>
-              <a:rPr lang="en-GB" b="1" i="0" u="none" strike="noStrike" dirty="0">
+            <a:pPr algn="ctr"/>
+            <a:r>
+              <a:rPr lang="en-US" b="1" i="0" u="none" strike="noStrike" kern="1200" dirty="0">
                 <a:solidFill>
-                  <a:srgbClr val="252525"/>
+                  <a:srgbClr val="FFFFFF"/>
                 </a:solidFill>
                 <a:effectLst/>
-                <a:latin typeface="proxima-nova"/>
+                <a:latin typeface="+mj-lt"/>
+                <a:ea typeface="+mj-ea"/>
+                <a:cs typeface="+mj-cs"/>
               </a:rPr>
               <a:t>AWS </a:t>
             </a:r>
             <a:r>
-              <a:rPr lang="en-GB" b="1" i="0" u="none" strike="noStrike" dirty="0" err="1">
+              <a:rPr lang="en-US" b="1" i="0" u="none" strike="noStrike" kern="1200" dirty="0" err="1">
                 <a:solidFill>
-                  <a:srgbClr val="252525"/>
+                  <a:srgbClr val="FFFFFF"/>
                 </a:solidFill>
                 <a:effectLst/>
-                <a:latin typeface="proxima-nova"/>
+                <a:latin typeface="+mj-lt"/>
+                <a:ea typeface="+mj-ea"/>
+                <a:cs typeface="+mj-cs"/>
               </a:rPr>
               <a:t>FSx</a:t>
             </a:r>
             <a:r>
-              <a:rPr lang="en-GB" b="1" i="0" u="none" strike="noStrike" dirty="0">
+              <a:rPr lang="en-US" b="1" i="0" u="none" strike="noStrike" kern="1200" dirty="0">
                 <a:solidFill>
-                  <a:srgbClr val="252525"/>
+                  <a:srgbClr val="FFFFFF"/>
                 </a:solidFill>
                 <a:effectLst/>
-                <a:latin typeface="proxima-nova"/>
-              </a:rPr>
-              <a:t> vs EFS: What is the Difference?</a:t>
-            </a:r>
-            <a:endParaRPr lang="en-CH" dirty="0"/>
+                <a:latin typeface="+mj-lt"/>
+                <a:ea typeface="+mj-ea"/>
+                <a:cs typeface="+mj-cs"/>
+              </a:rPr>
+              <a:t> vs EFS: </a:t>
+            </a:r>
+            <a:br>
+              <a:rPr lang="ru-RU" b="1" i="0" u="none" strike="noStrike" kern="1200" dirty="0">
+                <a:solidFill>
+                  <a:srgbClr val="FFFFFF"/>
+                </a:solidFill>
+                <a:effectLst/>
+                <a:latin typeface="+mj-lt"/>
+                <a:ea typeface="+mj-ea"/>
+                <a:cs typeface="+mj-cs"/>
+              </a:rPr>
+            </a:br>
+            <a:r>
+              <a:rPr lang="en-US" b="1" i="0" u="none" strike="noStrike" kern="1200" dirty="0">
+                <a:solidFill>
+                  <a:srgbClr val="FFFFFF"/>
+                </a:solidFill>
+                <a:effectLst/>
+                <a:latin typeface="+mj-lt"/>
+                <a:ea typeface="+mj-ea"/>
+                <a:cs typeface="+mj-cs"/>
+              </a:rPr>
+              <a:t>What is the Difference?</a:t>
+            </a:r>
+            <a:endParaRPr lang="en-CH" dirty="0">
+              <a:solidFill>
+                <a:srgbClr val="FFFFFF"/>
+              </a:solidFill>
+            </a:endParaRPr>
+          </a:p>
+        </p:txBody>
+      </p:sp>
+      <p:sp>
+        <p:nvSpPr>
+          <p:cNvPr id="12" name="Arc 11">
+            <a:extLst>
+              <a:ext uri="{FF2B5EF4-FFF2-40B4-BE49-F238E27FC236}">
+                <a16:creationId xmlns:a16="http://schemas.microsoft.com/office/drawing/2014/main" id="{081E4A58-353D-44AE-B2FC-2A74E2E400F7}"/>
+              </a:ext>
+              <a:ext uri="{C183D7F6-B498-43B3-948B-1728B52AA6E4}">
+                <adec:decorative xmlns:adec="http://schemas.microsoft.com/office/drawing/2017/decorative" val="1"/>
+              </a:ext>
+            </a:extLst>
+          </p:cNvPr>
+          <p:cNvSpPr>
+            <a:spLocks noGrp="1" noRot="1" noChangeAspect="1" noMove="1" noResize="1" noEditPoints="1" noAdjustHandles="1" noChangeArrowheads="1" noChangeShapeType="1" noTextEdit="1"/>
+          </p:cNvSpPr>
+          <p:nvPr>
+            <p:extLst>
+              <p:ext uri="{386F3935-93C4-4BCD-93E2-E3B085C9AB24}">
+                <p16:designElem xmlns:p16="http://schemas.microsoft.com/office/powerpoint/2015/main" val="1"/>
+              </p:ext>
+            </p:extLst>
+          </p:nvPr>
+        </p:nvSpPr>
+        <p:spPr>
+          <a:xfrm flipV="1">
+            <a:off x="7550402" y="2455479"/>
+            <a:ext cx="4083433" cy="4083433"/>
+          </a:xfrm>
+          <a:prstGeom prst="arc">
+            <a:avLst/>
+          </a:prstGeom>
+          <a:ln w="127000" cap="rnd">
+            <a:solidFill>
+              <a:schemeClr val="accent4"/>
+            </a:solidFill>
+            <a:prstDash val="dash"/>
+          </a:ln>
+        </p:spPr>
+        <p:style>
+          <a:lnRef idx="1">
+            <a:schemeClr val="accent1"/>
+          </a:lnRef>
+          <a:fillRef idx="0">
+            <a:schemeClr val="accent1"/>
+          </a:fillRef>
+          <a:effectRef idx="0">
+            <a:schemeClr val="accent1"/>
+          </a:effectRef>
+          <a:fontRef idx="minor">
+            <a:schemeClr val="tx1"/>
+          </a:fontRef>
+        </p:style>
+        <p:txBody>
+          <a:bodyPr rtlCol="0" anchor="ctr"/>
+          <a:lstStyle/>
+          <a:p>
+            <a:pPr algn="ctr"/>
+            <a:endParaRPr lang="en-US" dirty="0"/>
           </a:p>
         </p:txBody>
       </p:sp>
@@ -16773,7 +18319,7 @@
           <p:cNvPr id="3" name="Content Placeholder 2">
             <a:extLst>
               <a:ext uri="{FF2B5EF4-FFF2-40B4-BE49-F238E27FC236}">
-                <a16:creationId xmlns:a16="http://schemas.microsoft.com/office/drawing/2014/main" id="{C7643CBB-D099-68CB-D806-25BBE7E1F90B}"/>
+                <a16:creationId xmlns:a16="http://schemas.microsoft.com/office/drawing/2014/main" id="{D9B5DC2F-377D-1A30-8354-96C04D50E0CB}"/>
               </a:ext>
             </a:extLst>
           </p:cNvPr>
@@ -16784,15 +18330,354 @@
             <p:ph idx="1"/>
           </p:nvPr>
         </p:nvSpPr>
-        <p:spPr/>
+        <p:spPr>
+          <a:xfrm>
+            <a:off x="4447308" y="591344"/>
+            <a:ext cx="6906491" cy="5585619"/>
+          </a:xfrm>
+        </p:spPr>
         <p:txBody>
-          <a:bodyPr/>
+          <a:bodyPr anchor="ctr">
+            <a:normAutofit/>
+          </a:bodyPr>
           <a:lstStyle/>
           <a:p>
-            <a:endParaRPr lang="en-CH"/>
+            <a:r>
+              <a:rPr lang="en-GB" sz="2200" b="0" i="0" dirty="0">
+                <a:effectLst/>
+                <a:latin typeface="Söhne"/>
+              </a:rPr>
+              <a:t>AWS EFS is primarily utilized for Linux-based applications and supports NFS protocols, offering easy-to-use solutions with automatic scaling to accommodate growing file systems. </a:t>
+            </a:r>
+          </a:p>
+          <a:p>
+            <a:r>
+              <a:rPr lang="en-GB" sz="2200" b="0" i="0" dirty="0">
+                <a:effectLst/>
+                <a:latin typeface="Söhne"/>
+              </a:rPr>
+              <a:t>AWS </a:t>
+            </a:r>
+            <a:r>
+              <a:rPr lang="en-GB" sz="2200" b="0" i="0" dirty="0" err="1">
+                <a:effectLst/>
+                <a:latin typeface="Söhne"/>
+              </a:rPr>
+              <a:t>FSx</a:t>
+            </a:r>
+            <a:r>
+              <a:rPr lang="en-GB" sz="2200" b="0" i="0" dirty="0">
+                <a:effectLst/>
+                <a:latin typeface="Söhne"/>
+              </a:rPr>
+              <a:t> serves Windows-based environments optimally with </a:t>
+            </a:r>
+            <a:r>
+              <a:rPr lang="en-GB" sz="2200" b="0" i="0" dirty="0" err="1">
+                <a:effectLst/>
+                <a:latin typeface="Söhne"/>
+              </a:rPr>
+              <a:t>FSx</a:t>
+            </a:r>
+            <a:r>
+              <a:rPr lang="en-GB" sz="2200" b="0" i="0" dirty="0">
+                <a:effectLst/>
+                <a:latin typeface="Söhne"/>
+              </a:rPr>
+              <a:t> for Windows File Server, and high-performance computing workloads with </a:t>
+            </a:r>
+            <a:r>
+              <a:rPr lang="en-GB" sz="2200" b="0" i="0" dirty="0" err="1">
+                <a:effectLst/>
+                <a:latin typeface="Söhne"/>
+              </a:rPr>
+              <a:t>FSx</a:t>
+            </a:r>
+            <a:r>
+              <a:rPr lang="en-GB" sz="2200" b="0" i="0" dirty="0">
+                <a:effectLst/>
+                <a:latin typeface="Söhne"/>
+              </a:rPr>
+              <a:t> for Lustre, in addition to providing newer options supporting </a:t>
+            </a:r>
+            <a:r>
+              <a:rPr lang="en-GB" sz="2200" b="0" i="0" dirty="0" err="1">
+                <a:effectLst/>
+                <a:latin typeface="Söhne"/>
+              </a:rPr>
+              <a:t>OpenZFS</a:t>
+            </a:r>
+            <a:r>
+              <a:rPr lang="en-GB" sz="2200" b="0" i="0" dirty="0">
+                <a:effectLst/>
+                <a:latin typeface="Söhne"/>
+              </a:rPr>
+              <a:t> and ONTAP for enhanced data management and mixed OS environments. </a:t>
+            </a:r>
+          </a:p>
+          <a:p>
+            <a:r>
+              <a:rPr lang="en-GB" sz="2200" b="0" i="0" dirty="0">
+                <a:effectLst/>
+                <a:latin typeface="Söhne"/>
+              </a:rPr>
+              <a:t>The main difference between the two services comes down to the specific use case: EFS for scalable file storage solution in Linux environments and </a:t>
+            </a:r>
+            <a:r>
+              <a:rPr lang="en-GB" sz="2200" b="0" i="0" dirty="0" err="1">
+                <a:effectLst/>
+                <a:latin typeface="Söhne"/>
+              </a:rPr>
+              <a:t>FSx</a:t>
+            </a:r>
+            <a:r>
+              <a:rPr lang="en-GB" sz="2200" b="0" i="0" dirty="0">
+                <a:effectLst/>
+                <a:latin typeface="Söhne"/>
+              </a:rPr>
+              <a:t> offering specialized solutions, including file storage for Windows environments and high-performance workloads, along with robust data management features with </a:t>
+            </a:r>
+            <a:r>
+              <a:rPr lang="en-GB" sz="2200" b="0" i="0" dirty="0" err="1">
+                <a:effectLst/>
+                <a:latin typeface="Söhne"/>
+              </a:rPr>
+              <a:t>OpenZFS</a:t>
+            </a:r>
+            <a:r>
+              <a:rPr lang="en-GB" sz="2200" b="0" i="0" dirty="0">
+                <a:effectLst/>
+                <a:latin typeface="Söhne"/>
+              </a:rPr>
+              <a:t> and ONTAP integrations.</a:t>
+            </a:r>
+            <a:endParaRPr lang="en-CH" sz="2200" dirty="0"/>
           </a:p>
         </p:txBody>
       </p:sp>
+    </p:spTree>
+    <p:extLst>
+      <p:ext uri="{BB962C8B-B14F-4D97-AF65-F5344CB8AC3E}">
+        <p14:creationId xmlns:p14="http://schemas.microsoft.com/office/powerpoint/2010/main" val="2612218201"/>
+      </p:ext>
+    </p:extLst>
+  </p:cSld>
+  <p:clrMapOvr>
+    <a:masterClrMapping/>
+  </p:clrMapOvr>
+</p:sld>
+</file>
+
+<file path=ppt/slides/slide23.xml><?xml version="1.0" encoding="utf-8"?>
+<p:sld xmlns:a="http://schemas.openxmlformats.org/drawingml/2006/main" xmlns:r="http://schemas.openxmlformats.org/officeDocument/2006/relationships" xmlns:p="http://schemas.openxmlformats.org/presentationml/2006/main">
+  <p:cSld>
+    <p:bg>
+      <p:bgPr>
+        <a:solidFill>
+          <a:schemeClr val="bg1"/>
+        </a:solidFill>
+        <a:effectLst/>
+      </p:bgPr>
+    </p:bg>
+    <p:spTree>
+      <p:nvGrpSpPr>
+        <p:cNvPr id="1" name=""/>
+        <p:cNvGrpSpPr/>
+        <p:nvPr/>
+      </p:nvGrpSpPr>
+      <p:grpSpPr>
+        <a:xfrm>
+          <a:off x="0" y="0"/>
+          <a:ext cx="0" cy="0"/>
+          <a:chOff x="0" y="0"/>
+          <a:chExt cx="0" cy="0"/>
+        </a:xfrm>
+      </p:grpSpPr>
+      <p:sp>
+        <p:nvSpPr>
+          <p:cNvPr id="3079" name="Rectangle 3078">
+            <a:extLst>
+              <a:ext uri="{FF2B5EF4-FFF2-40B4-BE49-F238E27FC236}">
+                <a16:creationId xmlns:a16="http://schemas.microsoft.com/office/drawing/2014/main" id="{A4AC5506-6312-4701-8D3C-40187889A947}"/>
+              </a:ext>
+              <a:ext uri="{C183D7F6-B498-43B3-948B-1728B52AA6E4}">
+                <adec:decorative xmlns:adec="http://schemas.microsoft.com/office/drawing/2017/decorative" val="1"/>
+              </a:ext>
+            </a:extLst>
+          </p:cNvPr>
+          <p:cNvSpPr>
+            <a:spLocks noGrp="1" noRot="1" noChangeAspect="1" noMove="1" noResize="1" noEditPoints="1" noAdjustHandles="1" noChangeArrowheads="1" noChangeShapeType="1" noTextEdit="1"/>
+          </p:cNvSpPr>
+          <p:nvPr>
+            <p:extLst>
+              <p:ext uri="{386F3935-93C4-4BCD-93E2-E3B085C9AB24}">
+                <p16:designElem xmlns:p16="http://schemas.microsoft.com/office/powerpoint/2015/main" val="1"/>
+              </p:ext>
+            </p:extLst>
+          </p:nvPr>
+        </p:nvSpPr>
+        <p:spPr>
+          <a:xfrm>
+            <a:off x="0" y="651752"/>
+            <a:ext cx="12192000" cy="736551"/>
+          </a:xfrm>
+          <a:prstGeom prst="rect">
+            <a:avLst/>
+          </a:prstGeom>
+          <a:solidFill>
+            <a:schemeClr val="tx1"/>
+          </a:solidFill>
+          <a:ln>
+            <a:noFill/>
+          </a:ln>
+        </p:spPr>
+        <p:style>
+          <a:lnRef idx="2">
+            <a:schemeClr val="accent1">
+              <a:shade val="50000"/>
+            </a:schemeClr>
+          </a:lnRef>
+          <a:fillRef idx="1">
+            <a:schemeClr val="accent1"/>
+          </a:fillRef>
+          <a:effectRef idx="0">
+            <a:schemeClr val="accent1"/>
+          </a:effectRef>
+          <a:fontRef idx="minor">
+            <a:schemeClr val="lt1"/>
+          </a:fontRef>
+        </p:style>
+        <p:txBody>
+          <a:bodyPr rtlCol="0" anchor="ctr"/>
+          <a:lstStyle/>
+          <a:p>
+            <a:pPr algn="ctr"/>
+            <a:endParaRPr lang="en-US"/>
+          </a:p>
+        </p:txBody>
+      </p:sp>
+      <p:sp>
+        <p:nvSpPr>
+          <p:cNvPr id="2" name="Title 1">
+            <a:extLst>
+              <a:ext uri="{FF2B5EF4-FFF2-40B4-BE49-F238E27FC236}">
+                <a16:creationId xmlns:a16="http://schemas.microsoft.com/office/drawing/2014/main" id="{BD6EA94D-9B83-5E83-5F06-E4908AB55B19}"/>
+              </a:ext>
+            </a:extLst>
+          </p:cNvPr>
+          <p:cNvSpPr>
+            <a:spLocks noGrp="1"/>
+          </p:cNvSpPr>
+          <p:nvPr>
+            <p:ph type="title"/>
+          </p:nvPr>
+        </p:nvSpPr>
+        <p:spPr>
+          <a:xfrm>
+            <a:off x="556532" y="643467"/>
+            <a:ext cx="11210925" cy="744836"/>
+          </a:xfrm>
+        </p:spPr>
+        <p:txBody>
+          <a:bodyPr vert="horz" lIns="91440" tIns="45720" rIns="91440" bIns="45720" rtlCol="0" anchor="ctr">
+            <a:normAutofit/>
+          </a:bodyPr>
+          <a:lstStyle/>
+          <a:p>
+            <a:pPr algn="ctr" fontAlgn="base"/>
+            <a:r>
+              <a:rPr lang="en-US" sz="3200" b="1" i="0" u="none" strike="noStrike" kern="1200" dirty="0">
+                <a:solidFill>
+                  <a:schemeClr val="bg1"/>
+                </a:solidFill>
+                <a:effectLst/>
+                <a:latin typeface="+mj-lt"/>
+                <a:ea typeface="+mj-ea"/>
+                <a:cs typeface="+mj-cs"/>
+              </a:rPr>
+              <a:t>AWS </a:t>
+            </a:r>
+            <a:r>
+              <a:rPr lang="en-US" sz="3200" b="1" i="0" u="none" strike="noStrike" kern="1200" dirty="0" err="1">
+                <a:solidFill>
+                  <a:schemeClr val="bg1"/>
+                </a:solidFill>
+                <a:effectLst/>
+                <a:latin typeface="+mj-lt"/>
+                <a:ea typeface="+mj-ea"/>
+                <a:cs typeface="+mj-cs"/>
+              </a:rPr>
+              <a:t>FSx</a:t>
+            </a:r>
+            <a:r>
+              <a:rPr lang="en-US" sz="3200" b="1" i="0" u="none" strike="noStrike" kern="1200" dirty="0">
+                <a:solidFill>
+                  <a:schemeClr val="bg1"/>
+                </a:solidFill>
+                <a:effectLst/>
+                <a:latin typeface="+mj-lt"/>
+                <a:ea typeface="+mj-ea"/>
+                <a:cs typeface="+mj-cs"/>
+              </a:rPr>
+              <a:t> vs EFS: What is the Difference?</a:t>
+            </a:r>
+            <a:endParaRPr lang="en-US" sz="3200" kern="1200" dirty="0">
+              <a:solidFill>
+                <a:schemeClr val="bg1"/>
+              </a:solidFill>
+              <a:latin typeface="+mj-lt"/>
+              <a:ea typeface="+mj-ea"/>
+              <a:cs typeface="+mj-cs"/>
+            </a:endParaRPr>
+          </a:p>
+        </p:txBody>
+      </p:sp>
+      <p:pic>
+        <p:nvPicPr>
+          <p:cNvPr id="3074" name="Picture 2">
+            <a:extLst>
+              <a:ext uri="{FF2B5EF4-FFF2-40B4-BE49-F238E27FC236}">
+                <a16:creationId xmlns:a16="http://schemas.microsoft.com/office/drawing/2014/main" id="{49D0C196-26E1-AA70-BB1B-5340B05D97B5}"/>
+              </a:ext>
+            </a:extLst>
+          </p:cNvPr>
+          <p:cNvPicPr>
+            <a:picLocks noChangeAspect="1" noChangeArrowheads="1"/>
+          </p:cNvPicPr>
+          <p:nvPr/>
+        </p:nvPicPr>
+        <p:blipFill>
+          <a:blip r:embed="rId2">
+            <a:extLst>
+              <a:ext uri="{28A0092B-C50C-407E-A947-70E740481C1C}">
+                <a14:useLocalDpi xmlns:a14="http://schemas.microsoft.com/office/drawing/2010/main" val="0"/>
+              </a:ext>
+            </a:extLst>
+          </a:blip>
+          <a:stretch>
+            <a:fillRect/>
+          </a:stretch>
+        </p:blipFill>
+        <p:spPr bwMode="auto">
+          <a:xfrm>
+            <a:off x="1079892" y="1532238"/>
+            <a:ext cx="10032216" cy="5066269"/>
+          </a:xfrm>
+          <a:prstGeom prst="rect">
+            <a:avLst/>
+          </a:prstGeom>
+          <a:noFill/>
+          <a:extLst>
+            <a:ext uri="{909E8E84-426E-40DD-AFC4-6F175D3DCCD1}">
+              <a14:hiddenFill xmlns:a14="http://schemas.microsoft.com/office/drawing/2010/main">
+                <a:solidFill>
+                  <a:srgbClr val="FFFFFF"/>
+                </a:solidFill>
+              </a14:hiddenFill>
+            </a:ext>
+          </a:extLst>
+        </p:spPr>
+      </p:pic>
     </p:spTree>
     <p:extLst>
       <p:ext uri="{BB962C8B-B14F-4D97-AF65-F5344CB8AC3E}">
@@ -18637,7 +20522,7 @@
         <p:spPr/>
         <p:txBody>
           <a:bodyPr>
-            <a:normAutofit fontScale="92500" lnSpcReduction="10000"/>
+            <a:normAutofit fontScale="92500" lnSpcReduction="20000"/>
           </a:bodyPr>
           <a:lstStyle/>
           <a:p>
@@ -18768,6 +20653,17 @@
                 <a:latin typeface="Amazon Ember"/>
               </a:rPr>
               <a:t>Storage volumes can be hard disk drives (HDD) or solid state devices (SSD).</a:t>
+            </a:r>
+          </a:p>
+          <a:p>
+            <a:r>
+              <a:rPr lang="en-GB" dirty="0">
+                <a:solidFill>
+                  <a:srgbClr val="16191F"/>
+                </a:solidFill>
+                <a:latin typeface="Amazon Ember"/>
+              </a:rPr>
+              <a:t>Can be mounted on Linux EC2.</a:t>
             </a:r>
             <a:endParaRPr lang="en-CH" dirty="0"/>
           </a:p>

--- a/lecture-materials/Storage/FSx/fsx.pptx
+++ b/lecture-materials/Storage/FSx/fsx.pptx
@@ -1759,10 +1759,10 @@
         <a:lstStyle/>
         <a:p>
           <a:r>
-            <a:rPr lang="en-GB" b="0" i="0"/>
+            <a:rPr lang="en-GB" b="1" i="0" dirty="0"/>
             <a:t>HDD-based file systems can also be provisioned with an SSD-based read cache to further enhance performance for the most frequently accessed data. </a:t>
           </a:r>
-          <a:endParaRPr lang="en-US"/>
+          <a:endParaRPr lang="en-US" b="1" dirty="0"/>
         </a:p>
       </dgm:t>
     </dgm:pt>
@@ -1833,15 +1833,15 @@
         <a:lstStyle/>
         <a:p>
           <a:r>
-            <a:rPr lang="en-GB" b="0" i="0" dirty="0"/>
+            <a:rPr lang="en-GB" b="1" i="0" dirty="0"/>
             <a:t>When you provision an HDD Lustre file system with an SSD cache, Amazon </a:t>
           </a:r>
           <a:r>
-            <a:rPr lang="en-GB" b="0" i="0" dirty="0" err="1"/>
+            <a:rPr lang="en-GB" b="1" i="0" dirty="0" err="1"/>
             <a:t>FSx</a:t>
           </a:r>
           <a:r>
-            <a:rPr lang="en-GB" b="0" i="0" dirty="0"/>
+            <a:rPr lang="en-GB" b="1" i="0" dirty="0"/>
             <a:t> creates an SSD cache that is automatically sized to 20 percent of the file system's HDD storage capacity. </a:t>
           </a:r>
         </a:p>
@@ -2705,10 +2705,10 @@
             <a:buNone/>
           </a:pPr>
           <a:r>
-            <a:rPr lang="en-GB" sz="1500" b="0" i="0" kern="1200"/>
+            <a:rPr lang="en-GB" sz="1500" b="1" i="0" kern="1200" dirty="0"/>
             <a:t>HDD-based file systems can also be provisioned with an SSD-based read cache to further enhance performance for the most frequently accessed data. </a:t>
           </a:r>
-          <a:endParaRPr lang="en-US" sz="1500" kern="1200"/>
+          <a:endParaRPr lang="en-US" sz="1500" b="1" kern="1200" dirty="0"/>
         </a:p>
       </dsp:txBody>
       <dsp:txXfrm>
@@ -2927,15 +2927,15 @@
             <a:buNone/>
           </a:pPr>
           <a:r>
-            <a:rPr lang="en-GB" sz="1500" b="0" i="0" kern="1200" dirty="0"/>
+            <a:rPr lang="en-GB" sz="1500" b="1" i="0" kern="1200" dirty="0"/>
             <a:t>When you provision an HDD Lustre file system with an SSD cache, Amazon </a:t>
           </a:r>
           <a:r>
-            <a:rPr lang="en-GB" sz="1500" b="0" i="0" kern="1200" dirty="0" err="1"/>
+            <a:rPr lang="en-GB" sz="1500" b="1" i="0" kern="1200" dirty="0" err="1"/>
             <a:t>FSx</a:t>
           </a:r>
           <a:r>
-            <a:rPr lang="en-GB" sz="1500" b="0" i="0" kern="1200" dirty="0"/>
+            <a:rPr lang="en-GB" sz="1500" b="1" i="0" kern="1200" dirty="0"/>
             <a:t> creates an SSD cache that is automatically sized to 20 percent of the file system's HDD storage capacity. </a:t>
           </a:r>
         </a:p>
@@ -6617,7 +6617,7 @@
           <a:p>
             <a:fld id="{20E31D0F-3600-8B42-9A77-E87725E13DA0}" type="datetimeFigureOut">
               <a:rPr lang="en-CH" smtClean="0"/>
-              <a:t>08.09.23</a:t>
+              <a:t>21.02.2024</a:t>
             </a:fld>
             <a:endParaRPr lang="en-CH"/>
           </a:p>
@@ -7118,7 +7118,7 @@
           <a:p>
             <a:fld id="{322C9020-58D6-4B4B-AE71-CBBD8D6FD410}" type="datetimeFigureOut">
               <a:rPr lang="en-CH" smtClean="0"/>
-              <a:t>08.09.23</a:t>
+              <a:t>21.02.2024</a:t>
             </a:fld>
             <a:endParaRPr lang="en-CH"/>
           </a:p>
@@ -7318,7 +7318,7 @@
           <a:p>
             <a:fld id="{322C9020-58D6-4B4B-AE71-CBBD8D6FD410}" type="datetimeFigureOut">
               <a:rPr lang="en-CH" smtClean="0"/>
-              <a:t>08.09.23</a:t>
+              <a:t>21.02.2024</a:t>
             </a:fld>
             <a:endParaRPr lang="en-CH"/>
           </a:p>
@@ -7528,7 +7528,7 @@
           <a:p>
             <a:fld id="{322C9020-58D6-4B4B-AE71-CBBD8D6FD410}" type="datetimeFigureOut">
               <a:rPr lang="en-CH" smtClean="0"/>
-              <a:t>08.09.23</a:t>
+              <a:t>21.02.2024</a:t>
             </a:fld>
             <a:endParaRPr lang="en-CH"/>
           </a:p>
@@ -7728,7 +7728,7 @@
           <a:p>
             <a:fld id="{322C9020-58D6-4B4B-AE71-CBBD8D6FD410}" type="datetimeFigureOut">
               <a:rPr lang="en-CH" smtClean="0"/>
-              <a:t>08.09.23</a:t>
+              <a:t>21.02.2024</a:t>
             </a:fld>
             <a:endParaRPr lang="en-CH"/>
           </a:p>
@@ -8004,7 +8004,7 @@
           <a:p>
             <a:fld id="{322C9020-58D6-4B4B-AE71-CBBD8D6FD410}" type="datetimeFigureOut">
               <a:rPr lang="en-CH" smtClean="0"/>
-              <a:t>08.09.23</a:t>
+              <a:t>21.02.2024</a:t>
             </a:fld>
             <a:endParaRPr lang="en-CH"/>
           </a:p>
@@ -8272,7 +8272,7 @@
           <a:p>
             <a:fld id="{322C9020-58D6-4B4B-AE71-CBBD8D6FD410}" type="datetimeFigureOut">
               <a:rPr lang="en-CH" smtClean="0"/>
-              <a:t>08.09.23</a:t>
+              <a:t>21.02.2024</a:t>
             </a:fld>
             <a:endParaRPr lang="en-CH"/>
           </a:p>
@@ -8687,7 +8687,7 @@
           <a:p>
             <a:fld id="{322C9020-58D6-4B4B-AE71-CBBD8D6FD410}" type="datetimeFigureOut">
               <a:rPr lang="en-CH" smtClean="0"/>
-              <a:t>08.09.23</a:t>
+              <a:t>21.02.2024</a:t>
             </a:fld>
             <a:endParaRPr lang="en-CH"/>
           </a:p>
@@ -8829,7 +8829,7 @@
           <a:p>
             <a:fld id="{322C9020-58D6-4B4B-AE71-CBBD8D6FD410}" type="datetimeFigureOut">
               <a:rPr lang="en-CH" smtClean="0"/>
-              <a:t>08.09.23</a:t>
+              <a:t>21.02.2024</a:t>
             </a:fld>
             <a:endParaRPr lang="en-CH"/>
           </a:p>
@@ -8942,7 +8942,7 @@
           <a:p>
             <a:fld id="{322C9020-58D6-4B4B-AE71-CBBD8D6FD410}" type="datetimeFigureOut">
               <a:rPr lang="en-CH" smtClean="0"/>
-              <a:t>08.09.23</a:t>
+              <a:t>21.02.2024</a:t>
             </a:fld>
             <a:endParaRPr lang="en-CH"/>
           </a:p>
@@ -9255,7 +9255,7 @@
           <a:p>
             <a:fld id="{322C9020-58D6-4B4B-AE71-CBBD8D6FD410}" type="datetimeFigureOut">
               <a:rPr lang="en-CH" smtClean="0"/>
-              <a:t>08.09.23</a:t>
+              <a:t>21.02.2024</a:t>
             </a:fld>
             <a:endParaRPr lang="en-CH"/>
           </a:p>
@@ -9544,7 +9544,7 @@
           <a:p>
             <a:fld id="{322C9020-58D6-4B4B-AE71-CBBD8D6FD410}" type="datetimeFigureOut">
               <a:rPr lang="en-CH" smtClean="0"/>
-              <a:t>08.09.23</a:t>
+              <a:t>21.02.2024</a:t>
             </a:fld>
             <a:endParaRPr lang="en-CH"/>
           </a:p>
@@ -9787,7 +9787,7 @@
           <a:p>
             <a:fld id="{322C9020-58D6-4B4B-AE71-CBBD8D6FD410}" type="datetimeFigureOut">
               <a:rPr lang="en-CH" smtClean="0"/>
-              <a:t>08.09.23</a:t>
+              <a:t>21.02.2024</a:t>
             </a:fld>
             <a:endParaRPr lang="en-CH"/>
           </a:p>
@@ -11642,18 +11642,38 @@
           <a:lstStyle/>
           <a:p>
             <a:r>
+              <a:rPr lang="en-GB" sz="2200" i="0" dirty="0">
+                <a:effectLst/>
+              </a:rPr>
+              <a:t>Lustre® is an open-source file system </a:t>
+            </a:r>
+            <a:r>
               <a:rPr lang="en-GB" sz="2200" b="0" i="0" dirty="0">
                 <a:effectLst/>
               </a:rPr>
-              <a:t>Lustre® is an open-source file system that was developed in 1999 and released to general production in December 2003. </a:t>
-            </a:r>
-          </a:p>
-          <a:p>
+              <a:t>that was developed in 1999 and released to general production in December 2003. </a:t>
+            </a:r>
+          </a:p>
+          <a:p>
+            <a:r>
+              <a:rPr lang="en-GB" sz="2200" b="1" i="0" dirty="0">
+                <a:effectLst/>
+              </a:rPr>
+              <a:t>Lustre is a parallel file system</a:t>
+            </a:r>
+          </a:p>
+          <a:p>
+            <a:r>
+              <a:rPr lang="en-GB" sz="2200" b="1" i="0" dirty="0">
+                <a:effectLst/>
+              </a:rPr>
+              <a:t>The open-source Lustre file system is for the use of Linux-based applications that demand large scale and fast storage</a:t>
+            </a:r>
             <a:r>
               <a:rPr lang="en-GB" sz="2200" b="0" i="0" dirty="0">
                 <a:effectLst/>
               </a:rPr>
-              <a:t>Lustre is a parallel file system</a:t>
+              <a:t>—when you need your storage to keep pace with your compute. </a:t>
             </a:r>
           </a:p>
           <a:p>
@@ -11661,25 +11681,17 @@
               <a:rPr lang="en-GB" sz="2200" b="0" i="0" dirty="0">
                 <a:effectLst/>
               </a:rPr>
-              <a:t>The open-source Lustre file system is for the use of Linux-based applications that demand large scale and fast storage—when you need your storage to keep pace with your compute. </a:t>
-            </a:r>
-          </a:p>
-          <a:p>
-            <a:r>
-              <a:rPr lang="en-GB" sz="2200" b="0" i="0" dirty="0">
-                <a:effectLst/>
-              </a:rPr>
               <a:t>Lustre was designed to deal with the issue of speedily and cheaply processing large data sets. </a:t>
             </a:r>
           </a:p>
           <a:p>
             <a:r>
-              <a:rPr lang="en-GB" sz="2200" b="0" i="0" dirty="0">
+              <a:rPr lang="en-GB" sz="2200" b="1" i="0" dirty="0">
                 <a:effectLst/>
               </a:rPr>
               <a:t>It is widely used in super computing and HPC projects</a:t>
             </a:r>
-            <a:endParaRPr lang="en-CH" sz="2200" dirty="0"/>
+            <a:endParaRPr lang="en-CH" sz="2200" b="1" dirty="0"/>
           </a:p>
         </p:txBody>
       </p:sp>
@@ -12576,21 +12588,21 @@
           <a:p>
             <a:pPr fontAlgn="base"/>
             <a:r>
-              <a:rPr lang="en-GB" sz="2000" b="0" i="0" u="none" strike="noStrike" dirty="0">
+              <a:rPr lang="en-GB" sz="2000" b="1" i="0" u="none" strike="noStrike" dirty="0">
                 <a:effectLst/>
                 <a:latin typeface="proxima-nova"/>
               </a:rPr>
               <a:t>Amazon </a:t>
             </a:r>
             <a:r>
-              <a:rPr lang="en-GB" sz="2000" b="0" i="0" u="none" strike="noStrike" dirty="0" err="1">
+              <a:rPr lang="en-GB" sz="2000" b="1" i="0" u="none" strike="noStrike" dirty="0" err="1">
                 <a:effectLst/>
                 <a:latin typeface="proxima-nova"/>
               </a:rPr>
               <a:t>FSx</a:t>
             </a:r>
             <a:r>
-              <a:rPr lang="en-GB" sz="2000" b="0" i="0" u="none" strike="noStrike" dirty="0">
+              <a:rPr lang="en-GB" sz="2000" b="1" i="0" u="none" strike="noStrike" dirty="0">
                 <a:effectLst/>
                 <a:latin typeface="proxima-nova"/>
               </a:rPr>
@@ -12600,21 +12612,21 @@
           <a:p>
             <a:pPr fontAlgn="base"/>
             <a:r>
-              <a:rPr lang="en-GB" sz="2000" b="0" i="0" u="none" strike="noStrike" dirty="0">
+              <a:rPr lang="en-GB" sz="2000" b="1" i="0" u="none" strike="noStrike" dirty="0">
                 <a:effectLst/>
                 <a:latin typeface="proxima-nova"/>
               </a:rPr>
               <a:t>When connected to an S3 bucket, an </a:t>
             </a:r>
             <a:r>
-              <a:rPr lang="en-GB" sz="2000" b="0" i="0" u="none" strike="noStrike" dirty="0" err="1">
+              <a:rPr lang="en-GB" sz="2000" b="1" i="0" u="none" strike="noStrike" dirty="0" err="1">
                 <a:effectLst/>
                 <a:latin typeface="proxima-nova"/>
               </a:rPr>
               <a:t>FSx</a:t>
             </a:r>
             <a:r>
-              <a:rPr lang="en-GB" sz="2000" b="0" i="0" u="none" strike="noStrike" dirty="0">
+              <a:rPr lang="en-GB" sz="2000" b="1" i="0" u="none" strike="noStrike" dirty="0">
                 <a:effectLst/>
                 <a:latin typeface="proxima-nova"/>
               </a:rPr>
@@ -12721,7 +12733,7 @@
         </p:nvSpPr>
         <p:spPr>
           <a:xfrm>
-            <a:off x="746234" y="1414562"/>
+            <a:off x="562303" y="1395404"/>
             <a:ext cx="3394842" cy="5078313"/>
           </a:xfrm>
           <a:prstGeom prst="rect">
@@ -12878,7 +12890,7 @@
         <p:spPr>
           <a:xfrm>
             <a:off x="4330262" y="1395404"/>
-            <a:ext cx="4141076" cy="5632311"/>
+            <a:ext cx="4141076" cy="5355312"/>
           </a:xfrm>
           <a:prstGeom prst="rect">
             <a:avLst/>
@@ -13022,9 +13034,6 @@
               </a:rPr>
               <a:t>, which makes it simpler to employ with HPC workloads.</a:t>
             </a:r>
-            <a:br>
-              <a:rPr lang="en-GB" dirty="0"/>
-            </a:br>
             <a:endParaRPr lang="en-CH" dirty="0"/>
           </a:p>
         </p:txBody>
@@ -13213,7 +13222,7 @@
             <p:ph idx="1"/>
             <p:extLst>
               <p:ext uri="{D42A27DB-BD31-4B8C-83A1-F6EECF244321}">
-                <p14:modId xmlns:p14="http://schemas.microsoft.com/office/powerpoint/2010/main" val="2581773254"/>
+                <p14:modId xmlns:p14="http://schemas.microsoft.com/office/powerpoint/2010/main" val="2032835819"/>
               </p:ext>
             </p:extLst>
           </p:nvPr>
@@ -13266,12 +13275,12 @@
           <a:chExt cx="0" cy="0"/>
         </a:xfrm>
       </p:grpSpPr>
-      <p:sp useBgFill="1">
+      <p:sp>
         <p:nvSpPr>
-          <p:cNvPr id="4107" name="Rectangle 4102">
+          <p:cNvPr id="4112" name="Rectangle 4111">
             <a:extLst>
               <a:ext uri="{FF2B5EF4-FFF2-40B4-BE49-F238E27FC236}">
-                <a16:creationId xmlns:a16="http://schemas.microsoft.com/office/drawing/2014/main" id="{53F29798-D584-4792-9B62-3F5F5C36D619}"/>
+                <a16:creationId xmlns:a16="http://schemas.microsoft.com/office/drawing/2014/main" id="{A4AC5506-6312-4701-8D3C-40187889A947}"/>
               </a:ext>
               <a:ext uri="{C183D7F6-B498-43B3-948B-1728B52AA6E4}">
                 <adec:decorative xmlns:adec="http://schemas.microsoft.com/office/drawing/2017/decorative" val="1"/>
@@ -13291,12 +13300,15 @@
         </p:nvSpPr>
         <p:spPr>
           <a:xfrm>
-            <a:off x="0" y="0"/>
-            <a:ext cx="12188952" cy="6858000"/>
+            <a:off x="0" y="651752"/>
+            <a:ext cx="12192000" cy="736551"/>
           </a:xfrm>
           <a:prstGeom prst="rect">
             <a:avLst/>
           </a:prstGeom>
+          <a:solidFill>
+            <a:schemeClr val="tx1"/>
+          </a:solidFill>
           <a:ln>
             <a:noFill/>
           </a:ln>
@@ -13344,8 +13356,8 @@
         </p:nvSpPr>
         <p:spPr>
           <a:xfrm>
-            <a:off x="838200" y="184805"/>
-            <a:ext cx="10515600" cy="1505883"/>
+            <a:off x="556532" y="643467"/>
+            <a:ext cx="11210925" cy="744836"/>
           </a:xfrm>
         </p:spPr>
         <p:txBody>
@@ -13354,10 +13366,11 @@
           </a:bodyPr>
           <a:lstStyle/>
           <a:p>
-            <a:r>
-              <a:rPr lang="en-US" sz="5200" kern="1200">
+            <a:pPr algn="ctr"/>
+            <a:r>
+              <a:rPr lang="en-US" sz="3200" kern="1200">
                 <a:solidFill>
-                  <a:schemeClr val="tx1"/>
+                  <a:schemeClr val="bg1"/>
                 </a:solidFill>
                 <a:latin typeface="+mj-lt"/>
                 <a:ea typeface="+mj-ea"/>
@@ -13396,8 +13409,8 @@
         </p:blipFill>
         <p:spPr bwMode="auto">
           <a:xfrm>
-            <a:off x="2138648" y="1845426"/>
-            <a:ext cx="7911650" cy="4450303"/>
+            <a:off x="2190045" y="1675227"/>
+            <a:ext cx="7811910" cy="4394199"/>
           </a:xfrm>
           <a:prstGeom prst="rect">
             <a:avLst/>
@@ -15778,9 +15791,8 @@
           <a:p>
             <a:pPr algn="l"/>
             <a:r>
-              <a:rPr lang="en-GB" b="0" i="0" dirty="0">
-                <a:effectLst/>
-                <a:latin typeface="AmazonEmber"/>
+              <a:rPr lang="en-GB" sz="2400" b="1" i="0" dirty="0">
+                <a:effectLst/>
               </a:rPr>
               <a:t>Fully managed shared storage built on NetApp’s popular ONTAP file system</a:t>
             </a:r>
@@ -15788,56 +15800,63 @@
           <a:p>
             <a:pPr algn="l"/>
             <a:r>
-              <a:rPr lang="en-GB" b="0" i="0" dirty="0">
-                <a:effectLst/>
-                <a:latin typeface="Amazon Ember"/>
+              <a:rPr lang="en-GB" sz="2400" b="1" i="0" dirty="0">
+                <a:effectLst/>
               </a:rPr>
               <a:t>With </a:t>
             </a:r>
             <a:r>
-              <a:rPr lang="en-GB" b="0" i="0" dirty="0" err="1">
-                <a:effectLst/>
-                <a:latin typeface="Amazon Ember"/>
+              <a:rPr lang="en-GB" sz="2400" b="1" i="0" dirty="0" err="1">
+                <a:effectLst/>
               </a:rPr>
               <a:t>FSx</a:t>
             </a:r>
             <a:r>
-              <a:rPr lang="en-GB" b="0" i="0" dirty="0">
-                <a:effectLst/>
-                <a:latin typeface="Amazon Ember"/>
-              </a:rPr>
-              <a:t> for ONTAP, you can achieve SSD levels of performance for your workload while paying for SSD storage for only a small fraction of your data.</a:t>
-            </a:r>
-          </a:p>
-          <a:p>
-            <a:r>
-              <a:rPr lang="en-GB" dirty="0"/>
+              <a:rPr lang="en-GB" sz="2400" b="1" i="0" dirty="0">
+                <a:effectLst/>
+              </a:rPr>
+              <a:t> for ONTAP, you can achieve SSD levels of performance for your workload while paying for SSD storage for only a small fraction of your data</a:t>
+            </a:r>
+            <a:r>
+              <a:rPr lang="en-GB" sz="2400" b="0" i="0" dirty="0">
+                <a:effectLst/>
+              </a:rPr>
+              <a:t>.</a:t>
+            </a:r>
+          </a:p>
+          <a:p>
+            <a:r>
+              <a:rPr lang="en-GB" sz="2400" b="1" dirty="0">
+                <a:highlight>
+                  <a:srgbClr val="FFFF00"/>
+                </a:highlight>
+              </a:rPr>
               <a:t>NFS, SMB, iSCSI</a:t>
             </a:r>
           </a:p>
           <a:p>
             <a:r>
-              <a:rPr lang="en-GB" dirty="0"/>
+              <a:rPr lang="en-GB" sz="2400" dirty="0"/>
               <a:t>Works with:</a:t>
             </a:r>
           </a:p>
           <a:p>
             <a:pPr lvl="1"/>
             <a:r>
-              <a:rPr lang="en-GB" dirty="0"/>
+              <a:rPr lang="en-GB" sz="2000" dirty="0"/>
               <a:t>Linux, Windows, MacOS, VMware</a:t>
             </a:r>
           </a:p>
           <a:p>
             <a:pPr lvl="1"/>
             <a:r>
-              <a:rPr lang="en-GB" dirty="0"/>
+              <a:rPr lang="en-GB" sz="2000" dirty="0"/>
               <a:t> Ec2,ECS, EKS, on prime, etc</a:t>
             </a:r>
             <a:br>
-              <a:rPr lang="en-GB" dirty="0"/>
+              <a:rPr lang="en-GB" sz="2000" dirty="0"/>
             </a:br>
-            <a:endParaRPr lang="en-CH" dirty="0"/>
+            <a:endParaRPr lang="en-CH" sz="2000" dirty="0"/>
           </a:p>
         </p:txBody>
       </p:sp>
@@ -15943,8 +15962,8 @@
         </p:nvSpPr>
         <p:spPr>
           <a:xfrm>
-            <a:off x="279780" y="1705093"/>
-            <a:ext cx="3978485" cy="4180700"/>
+            <a:off x="279781" y="1705093"/>
+            <a:ext cx="3777492" cy="4180700"/>
           </a:xfrm>
         </p:spPr>
         <p:txBody>
@@ -15968,11 +15987,14 @@
           <a:p>
             <a:pPr algn="l"/>
             <a:r>
-              <a:rPr lang="en-GB" sz="1600" b="0" i="0" dirty="0">
+              <a:rPr lang="en-GB" sz="1600" b="1" i="0" dirty="0">
                 <a:solidFill>
                   <a:srgbClr val="16191F"/>
                 </a:solidFill>
                 <a:effectLst/>
+                <a:highlight>
+                  <a:srgbClr val="FFFF00"/>
+                </a:highlight>
                 <a:latin typeface="Amazon Ember"/>
               </a:rPr>
               <a:t>Behind each file system ENI is an NetApp ONTAP file server that is serving data over the network to the clients accessing the file system.</a:t>
@@ -15981,51 +16003,66 @@
           <a:p>
             <a:pPr algn="l"/>
             <a:r>
-              <a:rPr lang="en-GB" sz="1600" b="0" i="0" dirty="0">
+              <a:rPr lang="en-GB" sz="1600" b="1" i="0" dirty="0">
                 <a:solidFill>
                   <a:srgbClr val="16191F"/>
                 </a:solidFill>
                 <a:effectLst/>
+                <a:highlight>
+                  <a:srgbClr val="FFFF00"/>
+                </a:highlight>
                 <a:latin typeface="Amazon Ember"/>
               </a:rPr>
               <a:t>Amazon </a:t>
             </a:r>
             <a:r>
-              <a:rPr lang="en-GB" sz="1600" b="0" i="0" dirty="0" err="1">
+              <a:rPr lang="en-GB" sz="1600" b="1" i="0" dirty="0" err="1">
                 <a:solidFill>
                   <a:srgbClr val="16191F"/>
                 </a:solidFill>
                 <a:effectLst/>
+                <a:highlight>
+                  <a:srgbClr val="FFFF00"/>
+                </a:highlight>
                 <a:latin typeface="Amazon Ember"/>
               </a:rPr>
               <a:t>FSx</a:t>
             </a:r>
             <a:r>
-              <a:rPr lang="en-GB" sz="1600" b="0" i="0" dirty="0">
+              <a:rPr lang="en-GB" sz="1600" b="1" i="0" dirty="0">
                 <a:solidFill>
                   <a:srgbClr val="16191F"/>
                 </a:solidFill>
                 <a:effectLst/>
+                <a:highlight>
+                  <a:srgbClr val="FFFF00"/>
+                </a:highlight>
                 <a:latin typeface="Amazon Ember"/>
               </a:rPr>
               <a:t> provides a fast in-memory cache and </a:t>
             </a:r>
             <a:r>
-              <a:rPr lang="en-GB" sz="1600" b="0" i="0" dirty="0" err="1">
+              <a:rPr lang="en-GB" sz="1600" b="1" i="0" dirty="0" err="1">
                 <a:solidFill>
                   <a:srgbClr val="16191F"/>
                 </a:solidFill>
                 <a:effectLst/>
+                <a:highlight>
+                  <a:srgbClr val="FFFF00"/>
+                </a:highlight>
                 <a:latin typeface="Amazon Ember"/>
               </a:rPr>
               <a:t>NVMe</a:t>
             </a:r>
             <a:r>
-              <a:rPr lang="en-GB" sz="1600" b="0" i="0" dirty="0">
+              <a:rPr lang="en-GB" sz="1600" b="1" i="0" dirty="0">
                 <a:solidFill>
                   <a:srgbClr val="16191F"/>
                 </a:solidFill>
                 <a:effectLst/>
+                <a:highlight>
+                  <a:srgbClr val="FFFF00"/>
+                </a:highlight>
                 <a:latin typeface="Amazon Ember"/>
               </a:rPr>
               <a:t> cache on each file server to enhance performance for the most frequently accessed data.</a:t>
@@ -16500,21 +16537,21 @@
           <a:lstStyle/>
           <a:p>
             <a:r>
-              <a:rPr lang="en-GB" sz="2400" b="0" i="0" dirty="0">
+              <a:rPr lang="en-GB" sz="2400" b="1" i="0" dirty="0">
                 <a:effectLst/>
                 <a:latin typeface="AmazonEmber"/>
               </a:rPr>
               <a:t>Fully managed shared storage built on the popular </a:t>
             </a:r>
             <a:r>
-              <a:rPr lang="en-GB" sz="2400" b="0" i="0" dirty="0" err="1">
+              <a:rPr lang="en-GB" sz="2400" b="1" i="0" dirty="0" err="1">
                 <a:effectLst/>
                 <a:latin typeface="AmazonEmber"/>
               </a:rPr>
               <a:t>OpenZFS</a:t>
             </a:r>
             <a:r>
-              <a:rPr lang="en-GB" sz="2400" b="0" i="0" dirty="0">
+              <a:rPr lang="en-GB" sz="2400" b="1" i="0" dirty="0">
                 <a:effectLst/>
                 <a:latin typeface="AmazonEmber"/>
               </a:rPr>
@@ -16544,8 +16581,11 @@
           </a:p>
           <a:p>
             <a:r>
-              <a:rPr lang="en-GB" sz="2400" b="0" i="0" dirty="0">
-                <a:effectLst/>
+              <a:rPr lang="en-GB" sz="2400" b="1" i="0" dirty="0">
+                <a:effectLst/>
+                <a:highlight>
+                  <a:srgbClr val="FFFF00"/>
+                </a:highlight>
                 <a:latin typeface="AmazonEmber"/>
               </a:rPr>
               <a:t>NFS (v3,v4,v4.1,v4.2</a:t>
@@ -16553,7 +16593,10 @@
           </a:p>
           <a:p>
             <a:r>
-              <a:rPr lang="en-GB" sz="2400" dirty="0">
+              <a:rPr lang="en-GB" sz="2400" b="1" dirty="0">
+                <a:highlight>
+                  <a:srgbClr val="FFFF00"/>
+                </a:highlight>
                 <a:latin typeface="AmazonEmber"/>
               </a:rPr>
               <a:t>PITR cloning</a:t>
@@ -17723,6 +17766,22 @@
           <a:p>
             <a:pPr algn="l"/>
             <a:r>
+              <a:rPr lang="en-GB" sz="1600" b="1" i="0" dirty="0">
+                <a:solidFill>
+                  <a:srgbClr val="16191F"/>
+                </a:solidFill>
+                <a:effectLst/>
+                <a:highlight>
+                  <a:srgbClr val="FFFF00"/>
+                </a:highlight>
+                <a:latin typeface="Amazon Ember"/>
+              </a:rPr>
+              <a:t>File-based workloads are typically spiky, characterized by short, intense periods of high I/O with plenty of idle time between bursts.</a:t>
+            </a:r>
+          </a:p>
+          <a:p>
+            <a:pPr algn="l"/>
+            <a:r>
               <a:rPr lang="en-GB" sz="1600" b="0" i="0" dirty="0">
                 <a:solidFill>
                   <a:srgbClr val="16191F"/>
@@ -17730,11 +17789,18 @@
                 <a:effectLst/>
                 <a:latin typeface="Amazon Ember"/>
               </a:rPr>
-              <a:t>File-based workloads are typically spiky, characterized by short, intense periods of high I/O with plenty of idle time between bursts.</a:t>
-            </a:r>
-          </a:p>
-          <a:p>
-            <a:pPr algn="l"/>
+              <a:t>To support spiky workloads, in addition to the </a:t>
+            </a:r>
+            <a:r>
+              <a:rPr lang="en-GB" sz="1600" b="0" i="1" dirty="0">
+                <a:solidFill>
+                  <a:srgbClr val="16191F"/>
+                </a:solidFill>
+                <a:effectLst/>
+                <a:latin typeface="Amazon Ember"/>
+              </a:rPr>
+              <a:t>baseline</a:t>
+            </a:r>
             <a:r>
               <a:rPr lang="en-GB" sz="1600" b="0" i="0" dirty="0">
                 <a:solidFill>
@@ -17743,64 +17809,69 @@
                 <a:effectLst/>
                 <a:latin typeface="Amazon Ember"/>
               </a:rPr>
-              <a:t>To support spiky workloads, in addition to the </a:t>
-            </a:r>
-            <a:r>
-              <a:rPr lang="en-GB" sz="1600" b="0" i="1" dirty="0">
+              <a:t> speeds that a file system can sustain 24/7, </a:t>
+            </a:r>
+            <a:r>
+              <a:rPr lang="en-GB" sz="1600" b="1" i="0" dirty="0">
                 <a:solidFill>
                   <a:srgbClr val="16191F"/>
                 </a:solidFill>
                 <a:effectLst/>
+                <a:highlight>
+                  <a:srgbClr val="FFFF00"/>
+                </a:highlight>
                 <a:latin typeface="Amazon Ember"/>
               </a:rPr>
-              <a:t>baseline</a:t>
-            </a:r>
-            <a:r>
-              <a:rPr lang="en-GB" sz="1600" b="0" i="0" dirty="0">
+              <a:t>Amazon </a:t>
+            </a:r>
+            <a:r>
+              <a:rPr lang="en-GB" sz="1600" b="1" i="0" dirty="0" err="1">
                 <a:solidFill>
                   <a:srgbClr val="16191F"/>
                 </a:solidFill>
                 <a:effectLst/>
+                <a:highlight>
+                  <a:srgbClr val="FFFF00"/>
+                </a:highlight>
                 <a:latin typeface="Amazon Ember"/>
               </a:rPr>
-              <a:t> speeds that a file system can sustain 24/7, Amazon </a:t>
-            </a:r>
-            <a:r>
-              <a:rPr lang="en-GB" sz="1600" b="0" i="0" dirty="0" err="1">
+              <a:t>FSx</a:t>
+            </a:r>
+            <a:r>
+              <a:rPr lang="en-GB" sz="1600" b="1" i="0" dirty="0">
                 <a:solidFill>
                   <a:srgbClr val="16191F"/>
                 </a:solidFill>
                 <a:effectLst/>
+                <a:highlight>
+                  <a:srgbClr val="FFFF00"/>
+                </a:highlight>
                 <a:latin typeface="Amazon Ember"/>
               </a:rPr>
-              <a:t>FSx</a:t>
-            </a:r>
-            <a:r>
-              <a:rPr lang="en-GB" sz="1600" b="0" i="0" dirty="0">
+              <a:t> provides the capability to </a:t>
+            </a:r>
+            <a:r>
+              <a:rPr lang="en-GB" sz="1600" b="1" i="1" dirty="0">
                 <a:solidFill>
                   <a:srgbClr val="16191F"/>
                 </a:solidFill>
                 <a:effectLst/>
+                <a:highlight>
+                  <a:srgbClr val="FFFF00"/>
+                </a:highlight>
                 <a:latin typeface="Amazon Ember"/>
               </a:rPr>
-              <a:t> provides the capability to </a:t>
-            </a:r>
-            <a:r>
-              <a:rPr lang="en-GB" sz="1600" b="0" i="1" dirty="0">
+              <a:t>burst</a:t>
+            </a:r>
+            <a:r>
+              <a:rPr lang="en-GB" sz="1600" b="1" i="0" dirty="0">
                 <a:solidFill>
                   <a:srgbClr val="16191F"/>
                 </a:solidFill>
                 <a:effectLst/>
-                <a:latin typeface="Amazon Ember"/>
-              </a:rPr>
-              <a:t>burst</a:t>
-            </a:r>
-            <a:r>
-              <a:rPr lang="en-GB" sz="1600" b="0" i="0" dirty="0">
-                <a:solidFill>
-                  <a:srgbClr val="16191F"/>
-                </a:solidFill>
-                <a:effectLst/>
+                <a:highlight>
+                  <a:srgbClr val="FFFF00"/>
+                </a:highlight>
                 <a:latin typeface="Amazon Ember"/>
               </a:rPr>
               <a:t> to higher speeds for periods of time for both network I/O and disk I/O operations</a:t>
@@ -18338,7 +18409,7 @@
         </p:spPr>
         <p:txBody>
           <a:bodyPr anchor="ctr">
-            <a:normAutofit/>
+            <a:normAutofit lnSpcReduction="10000"/>
           </a:bodyPr>
           <a:lstStyle/>
           <a:p>
@@ -18421,37 +18492,72 @@
                 <a:effectLst/>
                 <a:latin typeface="Söhne"/>
               </a:rPr>
-              <a:t>The main difference between the two services comes down to the specific use case: EFS for scalable file storage solution in Linux environments and </a:t>
-            </a:r>
-            <a:r>
-              <a:rPr lang="en-GB" sz="2200" b="0" i="0" dirty="0" err="1">
-                <a:effectLst/>
+              <a:t>The main difference between the two services comes down to the specific use case: </a:t>
+            </a:r>
+          </a:p>
+          <a:p>
+            <a:r>
+              <a:rPr lang="en-GB" sz="2200" b="1" i="0" dirty="0">
+                <a:effectLst/>
+                <a:highlight>
+                  <a:srgbClr val="00FF00"/>
+                </a:highlight>
                 <a:latin typeface="Söhne"/>
               </a:rPr>
+              <a:t>EFS for scalable file storage solution in Linux environments </a:t>
+            </a:r>
+            <a:r>
+              <a:rPr lang="en-GB" sz="2200" b="0" i="0" dirty="0">
+                <a:effectLst/>
+                <a:latin typeface="Söhne"/>
+              </a:rPr>
+              <a:t>and </a:t>
+            </a:r>
+            <a:r>
+              <a:rPr lang="en-GB" sz="2200" b="1" i="0" dirty="0" err="1">
+                <a:effectLst/>
+                <a:highlight>
+                  <a:srgbClr val="FFFF00"/>
+                </a:highlight>
+                <a:latin typeface="Söhne"/>
+              </a:rPr>
               <a:t>FSx</a:t>
             </a:r>
             <a:r>
-              <a:rPr lang="en-GB" sz="2200" b="0" i="0" dirty="0">
-                <a:effectLst/>
+              <a:rPr lang="en-GB" sz="2200" b="1" i="0" dirty="0">
+                <a:effectLst/>
+                <a:highlight>
+                  <a:srgbClr val="FFFF00"/>
+                </a:highlight>
                 <a:latin typeface="Söhne"/>
               </a:rPr>
               <a:t> offering specialized solutions, including file storage for Windows environments and high-performance workloads, along with robust data management features with </a:t>
             </a:r>
             <a:r>
-              <a:rPr lang="en-GB" sz="2200" b="0" i="0" dirty="0" err="1">
-                <a:effectLst/>
+              <a:rPr lang="en-GB" sz="2200" b="1" i="0" dirty="0" err="1">
+                <a:effectLst/>
+                <a:highlight>
+                  <a:srgbClr val="FFFF00"/>
+                </a:highlight>
                 <a:latin typeface="Söhne"/>
               </a:rPr>
               <a:t>OpenZFS</a:t>
             </a:r>
             <a:r>
-              <a:rPr lang="en-GB" sz="2200" b="0" i="0" dirty="0">
-                <a:effectLst/>
+              <a:rPr lang="en-GB" sz="2200" b="1" i="0" dirty="0">
+                <a:effectLst/>
+                <a:highlight>
+                  <a:srgbClr val="FFFF00"/>
+                </a:highlight>
                 <a:latin typeface="Söhne"/>
               </a:rPr>
               <a:t> and ONTAP integrations.</a:t>
             </a:r>
-            <a:endParaRPr lang="en-CH" sz="2200" dirty="0"/>
+            <a:endParaRPr lang="en-CH" sz="2200" b="1" dirty="0">
+              <a:highlight>
+                <a:srgbClr val="FFFF00"/>
+              </a:highlight>
+            </a:endParaRPr>
           </a:p>
         </p:txBody>
       </p:sp>
@@ -19829,7 +19935,7 @@
           <a:p>
             <a:pPr fontAlgn="base"/>
             <a:r>
-              <a:rPr lang="en-GB" sz="2400" b="0" i="0" u="none" strike="noStrike" dirty="0">
+              <a:rPr lang="en-GB" sz="2400" b="1" i="0" u="none" strike="noStrike" dirty="0">
                 <a:effectLst/>
                 <a:latin typeface="proxima-nova"/>
               </a:rPr>
@@ -20418,6 +20524,14 @@
 <file path=ppt/slides/slide7.xml><?xml version="1.0" encoding="utf-8"?>
 <p:sld xmlns:a="http://schemas.openxmlformats.org/drawingml/2006/main" xmlns:r="http://schemas.openxmlformats.org/officeDocument/2006/relationships" xmlns:p="http://schemas.openxmlformats.org/presentationml/2006/main">
   <p:cSld>
+    <p:bg>
+      <p:bgPr>
+        <a:solidFill>
+          <a:schemeClr val="bg1"/>
+        </a:solidFill>
+        <a:effectLst/>
+      </p:bgPr>
+    </p:bg>
     <p:spTree>
       <p:nvGrpSpPr>
         <p:cNvPr id="1" name=""/>
@@ -20432,6 +20546,66 @@
           <a:chExt cx="0" cy="0"/>
         </a:xfrm>
       </p:grpSpPr>
+      <p:sp useBgFill="1">
+        <p:nvSpPr>
+          <p:cNvPr id="8" name="Rectangle 7">
+            <a:extLst>
+              <a:ext uri="{FF2B5EF4-FFF2-40B4-BE49-F238E27FC236}">
+                <a16:creationId xmlns:a16="http://schemas.microsoft.com/office/drawing/2014/main" id="{100EDD19-6802-4EC3-95CE-CFFAB042CFD6}"/>
+              </a:ext>
+              <a:ext uri="{C183D7F6-B498-43B3-948B-1728B52AA6E4}">
+                <adec:decorative xmlns:adec="http://schemas.microsoft.com/office/drawing/2017/decorative" val="1"/>
+              </a:ext>
+            </a:extLst>
+          </p:cNvPr>
+          <p:cNvSpPr>
+            <a:spLocks noGrp="1" noRot="1" noChangeAspect="1" noMove="1" noResize="1" noEditPoints="1" noAdjustHandles="1" noChangeArrowheads="1" noChangeShapeType="1" noTextEdit="1"/>
+          </p:cNvSpPr>
+          <p:nvPr>
+            <p:extLst>
+              <p:ext uri="{386F3935-93C4-4BCD-93E2-E3B085C9AB24}">
+                <p16:designElem xmlns:p16="http://schemas.microsoft.com/office/powerpoint/2015/main" val="1"/>
+              </p:ext>
+            </p:extLst>
+          </p:nvPr>
+        </p:nvSpPr>
+        <p:spPr>
+          <a:xfrm>
+            <a:off x="0" y="0"/>
+            <a:ext cx="12188952" cy="6858000"/>
+          </a:xfrm>
+          <a:prstGeom prst="rect">
+            <a:avLst/>
+          </a:prstGeom>
+          <a:ln>
+            <a:noFill/>
+          </a:ln>
+        </p:spPr>
+        <p:style>
+          <a:lnRef idx="2">
+            <a:schemeClr val="accent1">
+              <a:shade val="50000"/>
+            </a:schemeClr>
+          </a:lnRef>
+          <a:fillRef idx="1">
+            <a:schemeClr val="accent1"/>
+          </a:fillRef>
+          <a:effectRef idx="0">
+            <a:schemeClr val="accent1"/>
+          </a:effectRef>
+          <a:fontRef idx="minor">
+            <a:schemeClr val="lt1"/>
+          </a:fontRef>
+        </p:style>
+        <p:txBody>
+          <a:bodyPr rtlCol="0" anchor="ctr"/>
+          <a:lstStyle/>
+          <a:p>
+            <a:pPr algn="ctr"/>
+            <a:endParaRPr lang="en-US"/>
+          </a:p>
+        </p:txBody>
+      </p:sp>
       <p:sp>
         <p:nvSpPr>
           <p:cNvPr id="2" name="Title 1">
@@ -20448,58 +20622,673 @@
             <p:ph type="title"/>
           </p:nvPr>
         </p:nvSpPr>
-        <p:spPr/>
+        <p:spPr>
+          <a:xfrm>
+            <a:off x="838200" y="365125"/>
+            <a:ext cx="10515600" cy="1325563"/>
+          </a:xfrm>
+        </p:spPr>
         <p:txBody>
-          <a:bodyPr/>
+          <a:bodyPr>
+            <a:normAutofit/>
+          </a:bodyPr>
           <a:lstStyle/>
           <a:p>
             <a:r>
-              <a:rPr lang="en-US" sz="4400" b="1" i="0" u="none" strike="noStrike" kern="1200" dirty="0">
-                <a:solidFill>
-                  <a:schemeClr val="tx1"/>
-                </a:solidFill>
+              <a:rPr lang="en-US" sz="5000" b="1" i="0" u="none" strike="noStrike" kern="1200">
                 <a:effectLst/>
                 <a:latin typeface="+mj-lt"/>
                 <a:ea typeface="+mj-ea"/>
                 <a:cs typeface="+mj-cs"/>
               </a:rPr>
-              <a:t>Amazon </a:t>
-            </a:r>
-            <a:r>
-              <a:rPr lang="en-US" sz="4400" b="1" i="0" u="none" strike="noStrike" kern="1200" dirty="0" err="1">
-                <a:solidFill>
-                  <a:schemeClr val="tx1"/>
-                </a:solidFill>
-                <a:effectLst/>
-                <a:latin typeface="+mj-lt"/>
-                <a:ea typeface="+mj-ea"/>
-                <a:cs typeface="+mj-cs"/>
-              </a:rPr>
-              <a:t>FSx</a:t>
-            </a:r>
-            <a:r>
-              <a:rPr lang="en-US" sz="4400" b="1" i="0" u="none" strike="noStrike" kern="1200" dirty="0">
-                <a:solidFill>
-                  <a:schemeClr val="tx1"/>
-                </a:solidFill>
-                <a:effectLst/>
-                <a:latin typeface="+mj-lt"/>
-                <a:ea typeface="+mj-ea"/>
-                <a:cs typeface="+mj-cs"/>
-              </a:rPr>
-              <a:t> for Windows </a:t>
-            </a:r>
-            <a:r>
-              <a:rPr lang="en-GB" b="1" i="0" u="none" strike="noStrike" dirty="0" err="1">
-                <a:solidFill>
-                  <a:srgbClr val="252525"/>
-                </a:solidFill>
+              <a:t>Amazon FSx for Windows </a:t>
+            </a:r>
+            <a:r>
+              <a:rPr lang="en-GB" sz="5000" b="1" i="0" u="none" strike="noStrike">
                 <a:effectLst/>
                 <a:latin typeface="proxima-nova"/>
               </a:rPr>
               <a:t>Perfomance</a:t>
             </a:r>
-            <a:endParaRPr lang="en-CH" dirty="0"/>
+            <a:endParaRPr lang="en-CH" sz="5000"/>
+          </a:p>
+        </p:txBody>
+      </p:sp>
+      <p:sp>
+        <p:nvSpPr>
+          <p:cNvPr id="10" name="sketch line">
+            <a:extLst>
+              <a:ext uri="{FF2B5EF4-FFF2-40B4-BE49-F238E27FC236}">
+                <a16:creationId xmlns:a16="http://schemas.microsoft.com/office/drawing/2014/main" id="{DB17E863-922E-4C26-BD64-E8FD41D28661}"/>
+              </a:ext>
+              <a:ext uri="{C183D7F6-B498-43B3-948B-1728B52AA6E4}">
+                <adec:decorative xmlns:adec="http://schemas.microsoft.com/office/drawing/2017/decorative" val="1"/>
+              </a:ext>
+            </a:extLst>
+          </p:cNvPr>
+          <p:cNvSpPr>
+            <a:spLocks noGrp="1" noRot="1" noChangeAspect="1" noMove="1" noResize="1" noEditPoints="1" noAdjustHandles="1" noChangeArrowheads="1" noChangeShapeType="1" noTextEdit="1"/>
+          </p:cNvSpPr>
+          <p:nvPr>
+            <p:extLst>
+              <p:ext uri="{386F3935-93C4-4BCD-93E2-E3B085C9AB24}">
+                <p16:designElem xmlns:p16="http://schemas.microsoft.com/office/powerpoint/2015/main" val="1"/>
+              </p:ext>
+            </p:extLst>
+          </p:nvPr>
+        </p:nvSpPr>
+        <p:spPr>
+          <a:xfrm>
+            <a:off x="669036" y="1677373"/>
+            <a:ext cx="10853928" cy="18288"/>
+          </a:xfrm>
+          <a:custGeom>
+            <a:avLst/>
+            <a:gdLst>
+              <a:gd name="connsiteX0" fmla="*/ 0 w 10853928"/>
+              <a:gd name="connsiteY0" fmla="*/ 0 h 18288"/>
+              <a:gd name="connsiteX1" fmla="*/ 461292 w 10853928"/>
+              <a:gd name="connsiteY1" fmla="*/ 0 h 18288"/>
+              <a:gd name="connsiteX2" fmla="*/ 1139662 w 10853928"/>
+              <a:gd name="connsiteY2" fmla="*/ 0 h 18288"/>
+              <a:gd name="connsiteX3" fmla="*/ 1926572 w 10853928"/>
+              <a:gd name="connsiteY3" fmla="*/ 0 h 18288"/>
+              <a:gd name="connsiteX4" fmla="*/ 2279325 w 10853928"/>
+              <a:gd name="connsiteY4" fmla="*/ 0 h 18288"/>
+              <a:gd name="connsiteX5" fmla="*/ 2632078 w 10853928"/>
+              <a:gd name="connsiteY5" fmla="*/ 0 h 18288"/>
+              <a:gd name="connsiteX6" fmla="*/ 3527527 w 10853928"/>
+              <a:gd name="connsiteY6" fmla="*/ 0 h 18288"/>
+              <a:gd name="connsiteX7" fmla="*/ 4205897 w 10853928"/>
+              <a:gd name="connsiteY7" fmla="*/ 0 h 18288"/>
+              <a:gd name="connsiteX8" fmla="*/ 4558650 w 10853928"/>
+              <a:gd name="connsiteY8" fmla="*/ 0 h 18288"/>
+              <a:gd name="connsiteX9" fmla="*/ 5237020 w 10853928"/>
+              <a:gd name="connsiteY9" fmla="*/ 0 h 18288"/>
+              <a:gd name="connsiteX10" fmla="*/ 6132469 w 10853928"/>
+              <a:gd name="connsiteY10" fmla="*/ 0 h 18288"/>
+              <a:gd name="connsiteX11" fmla="*/ 6702301 w 10853928"/>
+              <a:gd name="connsiteY11" fmla="*/ 0 h 18288"/>
+              <a:gd name="connsiteX12" fmla="*/ 7272132 w 10853928"/>
+              <a:gd name="connsiteY12" fmla="*/ 0 h 18288"/>
+              <a:gd name="connsiteX13" fmla="*/ 7950502 w 10853928"/>
+              <a:gd name="connsiteY13" fmla="*/ 0 h 18288"/>
+              <a:gd name="connsiteX14" fmla="*/ 8737412 w 10853928"/>
+              <a:gd name="connsiteY14" fmla="*/ 0 h 18288"/>
+              <a:gd name="connsiteX15" fmla="*/ 9524322 w 10853928"/>
+              <a:gd name="connsiteY15" fmla="*/ 0 h 18288"/>
+              <a:gd name="connsiteX16" fmla="*/ 10853928 w 10853928"/>
+              <a:gd name="connsiteY16" fmla="*/ 0 h 18288"/>
+              <a:gd name="connsiteX17" fmla="*/ 10853928 w 10853928"/>
+              <a:gd name="connsiteY17" fmla="*/ 18288 h 18288"/>
+              <a:gd name="connsiteX18" fmla="*/ 10392636 w 10853928"/>
+              <a:gd name="connsiteY18" fmla="*/ 18288 h 18288"/>
+              <a:gd name="connsiteX19" fmla="*/ 9497187 w 10853928"/>
+              <a:gd name="connsiteY19" fmla="*/ 18288 h 18288"/>
+              <a:gd name="connsiteX20" fmla="*/ 8818817 w 10853928"/>
+              <a:gd name="connsiteY20" fmla="*/ 18288 h 18288"/>
+              <a:gd name="connsiteX21" fmla="*/ 8466064 w 10853928"/>
+              <a:gd name="connsiteY21" fmla="*/ 18288 h 18288"/>
+              <a:gd name="connsiteX22" fmla="*/ 7787693 w 10853928"/>
+              <a:gd name="connsiteY22" fmla="*/ 18288 h 18288"/>
+              <a:gd name="connsiteX23" fmla="*/ 7217862 w 10853928"/>
+              <a:gd name="connsiteY23" fmla="*/ 18288 h 18288"/>
+              <a:gd name="connsiteX24" fmla="*/ 6648031 w 10853928"/>
+              <a:gd name="connsiteY24" fmla="*/ 18288 h 18288"/>
+              <a:gd name="connsiteX25" fmla="*/ 6078200 w 10853928"/>
+              <a:gd name="connsiteY25" fmla="*/ 18288 h 18288"/>
+              <a:gd name="connsiteX26" fmla="*/ 5508368 w 10853928"/>
+              <a:gd name="connsiteY26" fmla="*/ 18288 h 18288"/>
+              <a:gd name="connsiteX27" fmla="*/ 4721459 w 10853928"/>
+              <a:gd name="connsiteY27" fmla="*/ 18288 h 18288"/>
+              <a:gd name="connsiteX28" fmla="*/ 4043088 w 10853928"/>
+              <a:gd name="connsiteY28" fmla="*/ 18288 h 18288"/>
+              <a:gd name="connsiteX29" fmla="*/ 3690336 w 10853928"/>
+              <a:gd name="connsiteY29" fmla="*/ 18288 h 18288"/>
+              <a:gd name="connsiteX30" fmla="*/ 3120504 w 10853928"/>
+              <a:gd name="connsiteY30" fmla="*/ 18288 h 18288"/>
+              <a:gd name="connsiteX31" fmla="*/ 2333595 w 10853928"/>
+              <a:gd name="connsiteY31" fmla="*/ 18288 h 18288"/>
+              <a:gd name="connsiteX32" fmla="*/ 1872303 w 10853928"/>
+              <a:gd name="connsiteY32" fmla="*/ 18288 h 18288"/>
+              <a:gd name="connsiteX33" fmla="*/ 976854 w 10853928"/>
+              <a:gd name="connsiteY33" fmla="*/ 18288 h 18288"/>
+              <a:gd name="connsiteX34" fmla="*/ 0 w 10853928"/>
+              <a:gd name="connsiteY34" fmla="*/ 18288 h 18288"/>
+              <a:gd name="connsiteX35" fmla="*/ 0 w 10853928"/>
+              <a:gd name="connsiteY35" fmla="*/ 0 h 18288"/>
+            </a:gdLst>
+            <a:ahLst/>
+            <a:cxnLst>
+              <a:cxn ang="0">
+                <a:pos x="connsiteX0" y="connsiteY0"/>
+              </a:cxn>
+              <a:cxn ang="0">
+                <a:pos x="connsiteX1" y="connsiteY1"/>
+              </a:cxn>
+              <a:cxn ang="0">
+                <a:pos x="connsiteX2" y="connsiteY2"/>
+              </a:cxn>
+              <a:cxn ang="0">
+                <a:pos x="connsiteX3" y="connsiteY3"/>
+              </a:cxn>
+              <a:cxn ang="0">
+                <a:pos x="connsiteX4" y="connsiteY4"/>
+              </a:cxn>
+              <a:cxn ang="0">
+                <a:pos x="connsiteX5" y="connsiteY5"/>
+              </a:cxn>
+              <a:cxn ang="0">
+                <a:pos x="connsiteX6" y="connsiteY6"/>
+              </a:cxn>
+              <a:cxn ang="0">
+                <a:pos x="connsiteX7" y="connsiteY7"/>
+              </a:cxn>
+              <a:cxn ang="0">
+                <a:pos x="connsiteX8" y="connsiteY8"/>
+              </a:cxn>
+              <a:cxn ang="0">
+                <a:pos x="connsiteX9" y="connsiteY9"/>
+              </a:cxn>
+              <a:cxn ang="0">
+                <a:pos x="connsiteX10" y="connsiteY10"/>
+              </a:cxn>
+              <a:cxn ang="0">
+                <a:pos x="connsiteX11" y="connsiteY11"/>
+              </a:cxn>
+              <a:cxn ang="0">
+                <a:pos x="connsiteX12" y="connsiteY12"/>
+              </a:cxn>
+              <a:cxn ang="0">
+                <a:pos x="connsiteX13" y="connsiteY13"/>
+              </a:cxn>
+              <a:cxn ang="0">
+                <a:pos x="connsiteX14" y="connsiteY14"/>
+              </a:cxn>
+              <a:cxn ang="0">
+                <a:pos x="connsiteX15" y="connsiteY15"/>
+              </a:cxn>
+              <a:cxn ang="0">
+                <a:pos x="connsiteX16" y="connsiteY16"/>
+              </a:cxn>
+              <a:cxn ang="0">
+                <a:pos x="connsiteX17" y="connsiteY17"/>
+              </a:cxn>
+              <a:cxn ang="0">
+                <a:pos x="connsiteX18" y="connsiteY18"/>
+              </a:cxn>
+              <a:cxn ang="0">
+                <a:pos x="connsiteX19" y="connsiteY19"/>
+              </a:cxn>
+              <a:cxn ang="0">
+                <a:pos x="connsiteX20" y="connsiteY20"/>
+              </a:cxn>
+              <a:cxn ang="0">
+                <a:pos x="connsiteX21" y="connsiteY21"/>
+              </a:cxn>
+              <a:cxn ang="0">
+                <a:pos x="connsiteX22" y="connsiteY22"/>
+              </a:cxn>
+              <a:cxn ang="0">
+                <a:pos x="connsiteX23" y="connsiteY23"/>
+              </a:cxn>
+              <a:cxn ang="0">
+                <a:pos x="connsiteX24" y="connsiteY24"/>
+              </a:cxn>
+              <a:cxn ang="0">
+                <a:pos x="connsiteX25" y="connsiteY25"/>
+              </a:cxn>
+              <a:cxn ang="0">
+                <a:pos x="connsiteX26" y="connsiteY26"/>
+              </a:cxn>
+              <a:cxn ang="0">
+                <a:pos x="connsiteX27" y="connsiteY27"/>
+              </a:cxn>
+              <a:cxn ang="0">
+                <a:pos x="connsiteX28" y="connsiteY28"/>
+              </a:cxn>
+              <a:cxn ang="0">
+                <a:pos x="connsiteX29" y="connsiteY29"/>
+              </a:cxn>
+              <a:cxn ang="0">
+                <a:pos x="connsiteX30" y="connsiteY30"/>
+              </a:cxn>
+              <a:cxn ang="0">
+                <a:pos x="connsiteX31" y="connsiteY31"/>
+              </a:cxn>
+              <a:cxn ang="0">
+                <a:pos x="connsiteX32" y="connsiteY32"/>
+              </a:cxn>
+              <a:cxn ang="0">
+                <a:pos x="connsiteX33" y="connsiteY33"/>
+              </a:cxn>
+              <a:cxn ang="0">
+                <a:pos x="connsiteX34" y="connsiteY34"/>
+              </a:cxn>
+              <a:cxn ang="0">
+                <a:pos x="connsiteX35" y="connsiteY35"/>
+              </a:cxn>
+            </a:cxnLst>
+            <a:rect l="l" t="t" r="r" b="b"/>
+            <a:pathLst>
+              <a:path w="10853928" h="18288" fill="none" extrusionOk="0">
+                <a:moveTo>
+                  <a:pt x="0" y="0"/>
+                </a:moveTo>
+                <a:cubicBezTo>
+                  <a:pt x="146993" y="-19076"/>
+                  <a:pt x="347684" y="-4790"/>
+                  <a:pt x="461292" y="0"/>
+                </a:cubicBezTo>
+                <a:cubicBezTo>
+                  <a:pt x="574900" y="4790"/>
+                  <a:pt x="808367" y="19821"/>
+                  <a:pt x="1139662" y="0"/>
+                </a:cubicBezTo>
+                <a:cubicBezTo>
+                  <a:pt x="1470957" y="-19821"/>
+                  <a:pt x="1627405" y="5721"/>
+                  <a:pt x="1926572" y="0"/>
+                </a:cubicBezTo>
+                <a:cubicBezTo>
+                  <a:pt x="2225739" y="-5721"/>
+                  <a:pt x="2137730" y="-3235"/>
+                  <a:pt x="2279325" y="0"/>
+                </a:cubicBezTo>
+                <a:cubicBezTo>
+                  <a:pt x="2420920" y="3235"/>
+                  <a:pt x="2456518" y="9685"/>
+                  <a:pt x="2632078" y="0"/>
+                </a:cubicBezTo>
+                <a:cubicBezTo>
+                  <a:pt x="2807638" y="-9685"/>
+                  <a:pt x="3211516" y="-43007"/>
+                  <a:pt x="3527527" y="0"/>
+                </a:cubicBezTo>
+                <a:cubicBezTo>
+                  <a:pt x="3843538" y="43007"/>
+                  <a:pt x="4058833" y="22042"/>
+                  <a:pt x="4205897" y="0"/>
+                </a:cubicBezTo>
+                <a:cubicBezTo>
+                  <a:pt x="4352961" y="-22042"/>
+                  <a:pt x="4474805" y="-11846"/>
+                  <a:pt x="4558650" y="0"/>
+                </a:cubicBezTo>
+                <a:cubicBezTo>
+                  <a:pt x="4642495" y="11846"/>
+                  <a:pt x="5041928" y="-6069"/>
+                  <a:pt x="5237020" y="0"/>
+                </a:cubicBezTo>
+                <a:cubicBezTo>
+                  <a:pt x="5432112" y="6069"/>
+                  <a:pt x="5943266" y="-17479"/>
+                  <a:pt x="6132469" y="0"/>
+                </a:cubicBezTo>
+                <a:cubicBezTo>
+                  <a:pt x="6321672" y="17479"/>
+                  <a:pt x="6483872" y="26234"/>
+                  <a:pt x="6702301" y="0"/>
+                </a:cubicBezTo>
+                <a:cubicBezTo>
+                  <a:pt x="6920730" y="-26234"/>
+                  <a:pt x="6991194" y="-15156"/>
+                  <a:pt x="7272132" y="0"/>
+                </a:cubicBezTo>
+                <a:cubicBezTo>
+                  <a:pt x="7553070" y="15156"/>
+                  <a:pt x="7684444" y="-32961"/>
+                  <a:pt x="7950502" y="0"/>
+                </a:cubicBezTo>
+                <a:cubicBezTo>
+                  <a:pt x="8216560" y="32961"/>
+                  <a:pt x="8493290" y="-10491"/>
+                  <a:pt x="8737412" y="0"/>
+                </a:cubicBezTo>
+                <a:cubicBezTo>
+                  <a:pt x="8981534" y="10491"/>
+                  <a:pt x="9191586" y="-13899"/>
+                  <a:pt x="9524322" y="0"/>
+                </a:cubicBezTo>
+                <a:cubicBezTo>
+                  <a:pt x="9857058" y="13899"/>
+                  <a:pt x="10297509" y="7485"/>
+                  <a:pt x="10853928" y="0"/>
+                </a:cubicBezTo>
+                <a:cubicBezTo>
+                  <a:pt x="10854574" y="4451"/>
+                  <a:pt x="10854418" y="9226"/>
+                  <a:pt x="10853928" y="18288"/>
+                </a:cubicBezTo>
+                <a:cubicBezTo>
+                  <a:pt x="10691638" y="28522"/>
+                  <a:pt x="10574319" y="29578"/>
+                  <a:pt x="10392636" y="18288"/>
+                </a:cubicBezTo>
+                <a:cubicBezTo>
+                  <a:pt x="10210953" y="6998"/>
+                  <a:pt x="9836277" y="-16742"/>
+                  <a:pt x="9497187" y="18288"/>
+                </a:cubicBezTo>
+                <a:cubicBezTo>
+                  <a:pt x="9158097" y="53318"/>
+                  <a:pt x="9119479" y="30714"/>
+                  <a:pt x="8818817" y="18288"/>
+                </a:cubicBezTo>
+                <a:cubicBezTo>
+                  <a:pt x="8518155" y="5863"/>
+                  <a:pt x="8640037" y="6483"/>
+                  <a:pt x="8466064" y="18288"/>
+                </a:cubicBezTo>
+                <a:cubicBezTo>
+                  <a:pt x="8292091" y="30093"/>
+                  <a:pt x="7997656" y="18914"/>
+                  <a:pt x="7787693" y="18288"/>
+                </a:cubicBezTo>
+                <a:cubicBezTo>
+                  <a:pt x="7577730" y="17662"/>
+                  <a:pt x="7412468" y="21416"/>
+                  <a:pt x="7217862" y="18288"/>
+                </a:cubicBezTo>
+                <a:cubicBezTo>
+                  <a:pt x="7023256" y="15160"/>
+                  <a:pt x="6898018" y="14824"/>
+                  <a:pt x="6648031" y="18288"/>
+                </a:cubicBezTo>
+                <a:cubicBezTo>
+                  <a:pt x="6398044" y="21752"/>
+                  <a:pt x="6254402" y="38625"/>
+                  <a:pt x="6078200" y="18288"/>
+                </a:cubicBezTo>
+                <a:cubicBezTo>
+                  <a:pt x="5901998" y="-2049"/>
+                  <a:pt x="5622886" y="3213"/>
+                  <a:pt x="5508368" y="18288"/>
+                </a:cubicBezTo>
+                <a:cubicBezTo>
+                  <a:pt x="5393850" y="33363"/>
+                  <a:pt x="5036260" y="26830"/>
+                  <a:pt x="4721459" y="18288"/>
+                </a:cubicBezTo>
+                <a:cubicBezTo>
+                  <a:pt x="4406658" y="9746"/>
+                  <a:pt x="4239221" y="41551"/>
+                  <a:pt x="4043088" y="18288"/>
+                </a:cubicBezTo>
+                <a:cubicBezTo>
+                  <a:pt x="3846955" y="-4975"/>
+                  <a:pt x="3818802" y="34658"/>
+                  <a:pt x="3690336" y="18288"/>
+                </a:cubicBezTo>
+                <a:cubicBezTo>
+                  <a:pt x="3561870" y="1918"/>
+                  <a:pt x="3265491" y="42194"/>
+                  <a:pt x="3120504" y="18288"/>
+                </a:cubicBezTo>
+                <a:cubicBezTo>
+                  <a:pt x="2975517" y="-5618"/>
+                  <a:pt x="2720254" y="36673"/>
+                  <a:pt x="2333595" y="18288"/>
+                </a:cubicBezTo>
+                <a:cubicBezTo>
+                  <a:pt x="1946936" y="-97"/>
+                  <a:pt x="2097241" y="5776"/>
+                  <a:pt x="1872303" y="18288"/>
+                </a:cubicBezTo>
+                <a:cubicBezTo>
+                  <a:pt x="1647365" y="30800"/>
+                  <a:pt x="1282708" y="45380"/>
+                  <a:pt x="976854" y="18288"/>
+                </a:cubicBezTo>
+                <a:cubicBezTo>
+                  <a:pt x="671000" y="-8804"/>
+                  <a:pt x="408401" y="-12775"/>
+                  <a:pt x="0" y="18288"/>
+                </a:cubicBezTo>
+                <a:cubicBezTo>
+                  <a:pt x="-213" y="9468"/>
+                  <a:pt x="187" y="4459"/>
+                  <a:pt x="0" y="0"/>
+                </a:cubicBezTo>
+                <a:close/>
+              </a:path>
+              <a:path w="10853928" h="18288" stroke="0" extrusionOk="0">
+                <a:moveTo>
+                  <a:pt x="0" y="0"/>
+                </a:moveTo>
+                <a:cubicBezTo>
+                  <a:pt x="267322" y="15284"/>
+                  <a:pt x="415388" y="-21048"/>
+                  <a:pt x="569831" y="0"/>
+                </a:cubicBezTo>
+                <a:cubicBezTo>
+                  <a:pt x="724274" y="21048"/>
+                  <a:pt x="769333" y="-2353"/>
+                  <a:pt x="922584" y="0"/>
+                </a:cubicBezTo>
+                <a:cubicBezTo>
+                  <a:pt x="1075835" y="2353"/>
+                  <a:pt x="1399490" y="-145"/>
+                  <a:pt x="1818033" y="0"/>
+                </a:cubicBezTo>
+                <a:cubicBezTo>
+                  <a:pt x="2236576" y="145"/>
+                  <a:pt x="2145330" y="5482"/>
+                  <a:pt x="2387864" y="0"/>
+                </a:cubicBezTo>
+                <a:cubicBezTo>
+                  <a:pt x="2630398" y="-5482"/>
+                  <a:pt x="2793207" y="18487"/>
+                  <a:pt x="2957695" y="0"/>
+                </a:cubicBezTo>
+                <a:cubicBezTo>
+                  <a:pt x="3122183" y="-18487"/>
+                  <a:pt x="3579141" y="19003"/>
+                  <a:pt x="3853144" y="0"/>
+                </a:cubicBezTo>
+                <a:cubicBezTo>
+                  <a:pt x="4127147" y="-19003"/>
+                  <a:pt x="4209857" y="12211"/>
+                  <a:pt x="4314436" y="0"/>
+                </a:cubicBezTo>
+                <a:cubicBezTo>
+                  <a:pt x="4419015" y="-12211"/>
+                  <a:pt x="4762459" y="-17220"/>
+                  <a:pt x="5209885" y="0"/>
+                </a:cubicBezTo>
+                <a:cubicBezTo>
+                  <a:pt x="5657311" y="17220"/>
+                  <a:pt x="5692663" y="-3290"/>
+                  <a:pt x="6105335" y="0"/>
+                </a:cubicBezTo>
+                <a:cubicBezTo>
+                  <a:pt x="6518007" y="3290"/>
+                  <a:pt x="6455516" y="-5124"/>
+                  <a:pt x="6783705" y="0"/>
+                </a:cubicBezTo>
+                <a:cubicBezTo>
+                  <a:pt x="7111894" y="5124"/>
+                  <a:pt x="7441941" y="-17829"/>
+                  <a:pt x="7679154" y="0"/>
+                </a:cubicBezTo>
+                <a:cubicBezTo>
+                  <a:pt x="7916367" y="17829"/>
+                  <a:pt x="8102967" y="-24363"/>
+                  <a:pt x="8248985" y="0"/>
+                </a:cubicBezTo>
+                <a:cubicBezTo>
+                  <a:pt x="8395003" y="24363"/>
+                  <a:pt x="8552393" y="25505"/>
+                  <a:pt x="8818817" y="0"/>
+                </a:cubicBezTo>
+                <a:cubicBezTo>
+                  <a:pt x="9085241" y="-25505"/>
+                  <a:pt x="9411308" y="38000"/>
+                  <a:pt x="9605726" y="0"/>
+                </a:cubicBezTo>
+                <a:cubicBezTo>
+                  <a:pt x="9800144" y="-38000"/>
+                  <a:pt x="10006468" y="-25741"/>
+                  <a:pt x="10175558" y="0"/>
+                </a:cubicBezTo>
+                <a:cubicBezTo>
+                  <a:pt x="10344648" y="25741"/>
+                  <a:pt x="10696282" y="695"/>
+                  <a:pt x="10853928" y="0"/>
+                </a:cubicBezTo>
+                <a:cubicBezTo>
+                  <a:pt x="10853521" y="8690"/>
+                  <a:pt x="10853774" y="14141"/>
+                  <a:pt x="10853928" y="18288"/>
+                </a:cubicBezTo>
+                <a:cubicBezTo>
+                  <a:pt x="10608124" y="24255"/>
+                  <a:pt x="10343415" y="22307"/>
+                  <a:pt x="10067018" y="18288"/>
+                </a:cubicBezTo>
+                <a:cubicBezTo>
+                  <a:pt x="9790621" y="14270"/>
+                  <a:pt x="9843266" y="3564"/>
+                  <a:pt x="9714266" y="18288"/>
+                </a:cubicBezTo>
+                <a:cubicBezTo>
+                  <a:pt x="9585266" y="33012"/>
+                  <a:pt x="9379484" y="1875"/>
+                  <a:pt x="9252974" y="18288"/>
+                </a:cubicBezTo>
+                <a:cubicBezTo>
+                  <a:pt x="9126464" y="34701"/>
+                  <a:pt x="8580678" y="-4904"/>
+                  <a:pt x="8357525" y="18288"/>
+                </a:cubicBezTo>
+                <a:cubicBezTo>
+                  <a:pt x="8134372" y="41480"/>
+                  <a:pt x="7903199" y="26458"/>
+                  <a:pt x="7679154" y="18288"/>
+                </a:cubicBezTo>
+                <a:cubicBezTo>
+                  <a:pt x="7455109" y="10118"/>
+                  <a:pt x="7435944" y="27109"/>
+                  <a:pt x="7217862" y="18288"/>
+                </a:cubicBezTo>
+                <a:cubicBezTo>
+                  <a:pt x="6999780" y="9467"/>
+                  <a:pt x="6680409" y="18985"/>
+                  <a:pt x="6539492" y="18288"/>
+                </a:cubicBezTo>
+                <a:cubicBezTo>
+                  <a:pt x="6398575" y="17592"/>
+                  <a:pt x="6312077" y="33018"/>
+                  <a:pt x="6186739" y="18288"/>
+                </a:cubicBezTo>
+                <a:cubicBezTo>
+                  <a:pt x="6061401" y="3558"/>
+                  <a:pt x="5947033" y="12075"/>
+                  <a:pt x="5833986" y="18288"/>
+                </a:cubicBezTo>
+                <a:cubicBezTo>
+                  <a:pt x="5720939" y="24501"/>
+                  <a:pt x="5482226" y="8586"/>
+                  <a:pt x="5155616" y="18288"/>
+                </a:cubicBezTo>
+                <a:cubicBezTo>
+                  <a:pt x="4829006" y="27991"/>
+                  <a:pt x="4841274" y="29316"/>
+                  <a:pt x="4694324" y="18288"/>
+                </a:cubicBezTo>
+                <a:cubicBezTo>
+                  <a:pt x="4547374" y="7260"/>
+                  <a:pt x="4077675" y="7013"/>
+                  <a:pt x="3907414" y="18288"/>
+                </a:cubicBezTo>
+                <a:cubicBezTo>
+                  <a:pt x="3737153" y="29564"/>
+                  <a:pt x="3538393" y="21630"/>
+                  <a:pt x="3446122" y="18288"/>
+                </a:cubicBezTo>
+                <a:cubicBezTo>
+                  <a:pt x="3353851" y="14946"/>
+                  <a:pt x="2990320" y="-8091"/>
+                  <a:pt x="2659212" y="18288"/>
+                </a:cubicBezTo>
+                <a:cubicBezTo>
+                  <a:pt x="2328104" y="44667"/>
+                  <a:pt x="2427653" y="9607"/>
+                  <a:pt x="2306460" y="18288"/>
+                </a:cubicBezTo>
+                <a:cubicBezTo>
+                  <a:pt x="2185267" y="26969"/>
+                  <a:pt x="1719763" y="3717"/>
+                  <a:pt x="1519550" y="18288"/>
+                </a:cubicBezTo>
+                <a:cubicBezTo>
+                  <a:pt x="1319337" y="32860"/>
+                  <a:pt x="1167371" y="17040"/>
+                  <a:pt x="1058258" y="18288"/>
+                </a:cubicBezTo>
+                <a:cubicBezTo>
+                  <a:pt x="949145" y="19536"/>
+                  <a:pt x="780234" y="31447"/>
+                  <a:pt x="705505" y="18288"/>
+                </a:cubicBezTo>
+                <a:cubicBezTo>
+                  <a:pt x="630776" y="5129"/>
+                  <a:pt x="215796" y="30056"/>
+                  <a:pt x="0" y="18288"/>
+                </a:cubicBezTo>
+                <a:cubicBezTo>
+                  <a:pt x="-53" y="11301"/>
+                  <a:pt x="-649" y="7756"/>
+                  <a:pt x="0" y="0"/>
+                </a:cubicBezTo>
+                <a:close/>
+              </a:path>
+            </a:pathLst>
+          </a:custGeom>
+          <a:solidFill>
+            <a:schemeClr val="accent2"/>
+          </a:solidFill>
+          <a:ln w="41275" cap="rnd">
+            <a:solidFill>
+              <a:schemeClr val="accent2"/>
+            </a:solidFill>
+            <a:round/>
+            <a:extLst>
+              <a:ext uri="{C807C97D-BFC1-408E-A445-0C87EB9F89A2}">
+                <ask:lineSketchStyleProps xmlns:ask="http://schemas.microsoft.com/office/drawing/2018/sketchyshapes" sd="1219033472">
+                  <a:prstGeom prst="rect">
+                    <a:avLst/>
+                  </a:prstGeom>
+                  <ask:type>
+                    <ask:lineSketchFreehand/>
+                  </ask:type>
+                </ask:lineSketchStyleProps>
+              </a:ext>
+            </a:extLst>
+          </a:ln>
+        </p:spPr>
+        <p:style>
+          <a:lnRef idx="2">
+            <a:schemeClr val="accent1">
+              <a:shade val="50000"/>
+            </a:schemeClr>
+          </a:lnRef>
+          <a:fillRef idx="1">
+            <a:schemeClr val="accent1"/>
+          </a:fillRef>
+          <a:effectRef idx="0">
+            <a:schemeClr val="accent1"/>
+          </a:effectRef>
+          <a:fontRef idx="minor">
+            <a:schemeClr val="lt1"/>
+          </a:fontRef>
+        </p:style>
+        <p:txBody>
+          <a:bodyPr rtlCol="0" anchor="ctr"/>
+          <a:lstStyle/>
+          <a:p>
+            <a:pPr algn="ctr"/>
+            <a:endParaRPr lang="en-US"/>
           </a:p>
         </p:txBody>
       </p:sp>
@@ -20519,18 +21308,20 @@
             <p:ph idx="1"/>
           </p:nvPr>
         </p:nvSpPr>
-        <p:spPr/>
+        <p:spPr>
+          <a:xfrm>
+            <a:off x="838200" y="1929384"/>
+            <a:ext cx="10515600" cy="4251960"/>
+          </a:xfrm>
+        </p:spPr>
         <p:txBody>
           <a:bodyPr>
-            <a:normAutofit fontScale="92500" lnSpcReduction="20000"/>
+            <a:normAutofit/>
           </a:bodyPr>
           <a:lstStyle/>
           <a:p>
             <a:r>
-              <a:rPr lang="en-GB" b="0" i="0" dirty="0">
-                <a:solidFill>
-                  <a:srgbClr val="16191F"/>
-                </a:solidFill>
+              <a:rPr lang="en-GB" sz="2200" b="0" i="0">
                 <a:effectLst/>
                 <a:highlight>
                   <a:srgbClr val="FFFF00"/>
@@ -20540,10 +21331,7 @@
               <a:t>Your client compute instances, whether they exist in AWS or on-premises, access your file system through an elastic network interface </a:t>
             </a:r>
             <a:r>
-              <a:rPr lang="en-GB" b="0" i="0" dirty="0">
-                <a:solidFill>
-                  <a:srgbClr val="16191F"/>
-                </a:solidFill>
+              <a:rPr lang="en-GB" sz="2200" b="0" i="0">
                 <a:effectLst/>
                 <a:latin typeface="Amazon Ember"/>
               </a:rPr>
@@ -20552,10 +21340,7 @@
           </a:p>
           <a:p>
             <a:r>
-              <a:rPr lang="en-GB" b="0" i="0" dirty="0">
-                <a:solidFill>
-                  <a:srgbClr val="16191F"/>
-                </a:solidFill>
+              <a:rPr lang="en-GB" sz="2200" b="0" i="0">
                 <a:effectLst/>
                 <a:latin typeface="Amazon Ember"/>
               </a:rPr>
@@ -20564,10 +21349,7 @@
           </a:p>
           <a:p>
             <a:r>
-              <a:rPr lang="en-GB" b="0" i="0" dirty="0">
-                <a:solidFill>
-                  <a:srgbClr val="16191F"/>
-                </a:solidFill>
+              <a:rPr lang="en-GB" sz="2200" b="0" i="0">
                 <a:effectLst/>
                 <a:latin typeface="Amazon Ember"/>
               </a:rPr>
@@ -20576,79 +21358,38 @@
           </a:p>
           <a:p>
             <a:r>
-              <a:rPr lang="en-GB" b="0" i="0" dirty="0">
-                <a:solidFill>
-                  <a:srgbClr val="16191F"/>
-                </a:solidFill>
+              <a:rPr lang="en-GB" sz="2200" b="0" i="0">
                 <a:effectLst/>
                 <a:highlight>
                   <a:srgbClr val="FFFF00"/>
                 </a:highlight>
                 <a:latin typeface="Amazon Ember"/>
               </a:rPr>
-              <a:t>Amazon </a:t>
-            </a:r>
-            <a:r>
-              <a:rPr lang="en-GB" b="0" i="0" dirty="0" err="1">
-                <a:solidFill>
-                  <a:srgbClr val="16191F"/>
-                </a:solidFill>
-                <a:effectLst/>
-                <a:highlight>
-                  <a:srgbClr val="FFFF00"/>
-                </a:highlight>
+              <a:t>Amazon FSx provides a fast in-memory cache </a:t>
+            </a:r>
+            <a:r>
+              <a:rPr lang="en-GB" sz="2200" b="0" i="0">
+                <a:effectLst/>
                 <a:latin typeface="Amazon Ember"/>
               </a:rPr>
-              <a:t>FSx</a:t>
-            </a:r>
-            <a:r>
-              <a:rPr lang="en-GB" b="0" i="0" dirty="0">
-                <a:solidFill>
-                  <a:srgbClr val="16191F"/>
-                </a:solidFill>
-                <a:effectLst/>
-                <a:highlight>
-                  <a:srgbClr val="FFFF00"/>
-                </a:highlight>
+              <a:t>on the file server to enhance performance for the most frequently accessed data. </a:t>
+            </a:r>
+          </a:p>
+          <a:p>
+            <a:r>
+              <a:rPr lang="en-GB" sz="2200" b="0" i="0">
+                <a:effectLst/>
                 <a:latin typeface="Amazon Ember"/>
               </a:rPr>
-              <a:t> provides a fast in-memory cache </a:t>
-            </a:r>
-            <a:r>
-              <a:rPr lang="en-GB" b="0" i="0" dirty="0">
-                <a:solidFill>
-                  <a:srgbClr val="16191F"/>
-                </a:solidFill>
-                <a:effectLst/>
-                <a:latin typeface="Amazon Ember"/>
-              </a:rPr>
-              <a:t>on the file server to enhance performance for the most frequently accessed data. </a:t>
-            </a:r>
-          </a:p>
-          <a:p>
-            <a:r>
-              <a:rPr lang="en-GB" b="0" i="0" dirty="0">
-                <a:solidFill>
-                  <a:srgbClr val="16191F"/>
-                </a:solidFill>
-                <a:effectLst/>
-                <a:latin typeface="Amazon Ember"/>
-              </a:rPr>
               <a:t>Behind the file server are the storage volumes, or disks, hosting your file system data. </a:t>
             </a:r>
-            <a:endParaRPr lang="en-GB" dirty="0">
-              <a:solidFill>
-                <a:srgbClr val="16191F"/>
-              </a:solidFill>
+            <a:endParaRPr lang="en-GB" sz="2200">
               <a:latin typeface="Amazon Ember"/>
             </a:endParaRPr>
           </a:p>
           <a:p>
             <a:r>
-              <a:rPr lang="en-GB" b="0" i="0" dirty="0">
-                <a:solidFill>
-                  <a:srgbClr val="16191F"/>
-                </a:solidFill>
+              <a:rPr lang="en-GB" sz="2200" b="0" i="0">
                 <a:effectLst/>
                 <a:latin typeface="Amazon Ember"/>
               </a:rPr>
@@ -20657,15 +21398,12 @@
           </a:p>
           <a:p>
             <a:r>
-              <a:rPr lang="en-GB" dirty="0">
-                <a:solidFill>
-                  <a:srgbClr val="16191F"/>
-                </a:solidFill>
+              <a:rPr lang="en-GB" sz="2200">
                 <a:latin typeface="Amazon Ember"/>
               </a:rPr>
               <a:t>Can be mounted on Linux EC2.</a:t>
             </a:r>
-            <a:endParaRPr lang="en-CH" dirty="0"/>
+            <a:endParaRPr lang="en-CH" sz="2200"/>
           </a:p>
         </p:txBody>
       </p:sp>
